--- a/help/User-Guide-SSB-Retuning-Automations-v0.7.3.pptx
+++ b/help/User-Guide-SSB-Retuning-Automations-v0.7.3.pptx
@@ -34,6 +34,17 @@
     <p:sldId id="279" r:id="rId35"/>
     <p:sldId id="280" r:id="rId36"/>
     <p:sldId id="281" r:id="rId37"/>
+    <p:sldId id="282" r:id="rId38"/>
+    <p:sldId id="283" r:id="rId39"/>
+    <p:sldId id="284" r:id="rId40"/>
+    <p:sldId id="285" r:id="rId41"/>
+    <p:sldId id="286" r:id="rId42"/>
+    <p:sldId id="287" r:id="rId43"/>
+    <p:sldId id="288" r:id="rId44"/>
+    <p:sldId id="289" r:id="rId45"/>
+    <p:sldId id="290" r:id="rId46"/>
+    <p:sldId id="291" r:id="rId47"/>
+    <p:sldId id="292" r:id="rId48"/>
   </p:sldIdLst>
   <p:sldSz cx="9144000" cy="6858000" type="screen4x3"/>
   <p:notesSz cx="6858000" cy="9144000"/>
@@ -6397,7 +6408,7 @@
               </a:defRPr>
             </a:pPr>
             <a:r>
-              <a:t>Module 2 — Consistency Check (Pre/Post) (cont.)</a:t>
+              <a:t>Module 1 — Configuration Audit &amp; Logs Parser (cont.)</a:t>
             </a:r>
           </a:p>
         </p:txBody>
@@ -6418,47 +6429,11 @@
           <a:lstStyle/>
           <a:p>
             <a:pPr lvl="1">
-              <a:buNone/>
-              <a:defRPr sz="1500"/>
-            </a:pPr>
-            <a:r>
-              <a:t>4. Classify destination targets as "SSB-Pre", "SSB-Post" or "Unknown".</a:t>
-            </a:r>
-          </a:p>
-          <a:p>
-            <a:pPr lvl="1">
-              <a:buNone/>
-              <a:defRPr sz="1500"/>
-            </a:pPr>
-            <a:r>
-              <a:t>5. Exports detailed Excel outputs and correction commands.</a:t>
-            </a:r>
-          </a:p>
-          <a:p>
-            <a:pPr>
-              <a:buNone/>
-              <a:defRPr b="1" sz="1600"/>
-            </a:pPr>
-            <a:r>
-              <a:t>Outputs</a:t>
-            </a:r>
-          </a:p>
-          <a:p>
-            <a:pPr lvl="1">
-              <a:buChar char="•"/>
-              <a:defRPr sz="1500"/>
-            </a:pPr>
-            <a:r>
-              <a:t>"CellRelation_&lt;timestamp&gt;_v&lt;version&gt;.xlsx" (end-to-end relations view).</a:t>
-            </a:r>
-          </a:p>
-          <a:p>
-            <a:pPr lvl="1">
-              <a:buChar char="•"/>
-              <a:defRPr sz="1500"/>
-            </a:pPr>
-            <a:r>
-              <a:t>"ConsistencyChecks_CellRelation_&lt;timestamp&gt;_v&lt;version&gt;.xlsx" with:</a:t>
+              <a:buChar char="•"/>
+              <a:defRPr sz="1500"/>
+            </a:pPr>
+            <a:r>
+              <a:t>SummaryAudit contains rows with:</a:t>
             </a:r>
           </a:p>
           <a:p>
@@ -6467,7 +6442,7 @@
               <a:defRPr sz="1500"/>
             </a:pPr>
             <a:r>
-              <a:t>"Summary"</a:t>
+              <a:t>"Category", "SubCategory", "Metric", "Value", "ExtraInfo",</a:t>
             </a:r>
           </a:p>
           <a:p>
@@ -6476,52 +6451,25 @@
               <a:defRPr sz="1500"/>
             </a:pPr>
             <a:r>
-              <a:t>"SummaryAuditComparisson" (if there is PRE/POST SummaryAudit)</a:t>
-            </a:r>
-          </a:p>
-          <a:p>
-            <a:pPr lvl="2">
-              <a:buChar char="•"/>
-              <a:defRPr sz="1500"/>
-            </a:pPr>
-            <a:r>
-              <a:t>"Summary_CellRelation"</a:t>
-            </a:r>
-          </a:p>
-          <a:p>
-            <a:pPr lvl="2">
-              <a:buChar char="•"/>
-              <a:defRPr sz="1500"/>
-            </a:pPr>
-            <a:r>
-              <a:t>GU blocks: "GU_relations", "GU_param_disc", "GU_freq_disc", "GU_freq_disc_unknown", "GU_missing", "GU_new"</a:t>
-            </a:r>
-          </a:p>
-          <a:p>
-            <a:pPr lvl="2">
-              <a:buChar char="•"/>
-              <a:defRPr sz="1500"/>
-            </a:pPr>
-            <a:r>
-              <a:t>NR blocks: "NR_relations", "NR_param_disc", "NR_freq_disc", "NR_freq_disc_unknown", "NR_missing", "NR_new"</a:t>
-            </a:r>
-          </a:p>
-          <a:p>
-            <a:pPr lvl="2">
-              <a:buChar char="•"/>
-              <a:defRPr sz="1500"/>
-            </a:pPr>
-            <a:r>
-              <a:t>optional "GU_all", "NR_all".</a:t>
-            </a:r>
-          </a:p>
-          <a:p>
-            <a:pPr lvl="1">
-              <a:buChar char="•"/>
-              <a:defRPr sz="1500"/>
-            </a:pPr>
-            <a:r>
-              <a:t>"Correction_Cmd_CC/" with commands per type (new/missing/discrepancies).</a:t>
+              <a:t>and execution context fields (stage, module, etc. depending on the flow).</a:t>
+            </a:r>
+          </a:p>
+          <a:p>
+            <a:pPr lvl="1">
+              <a:buChar char="•"/>
+              <a:defRPr sz="1500"/>
+            </a:pPr>
+            <a:r>
+              <a:t>"Value" usually represents a count of impacted nodes/cells/relations.</a:t>
+            </a:r>
+          </a:p>
+          <a:p>
+            <a:pPr lvl="1">
+              <a:buChar char="•"/>
+              <a:defRPr sz="1500"/>
+            </a:pPr>
+            <a:r>
+              <a:t>"ExtraInfo" contains the NodeId list or a compact discrepancy detail.</a:t>
             </a:r>
           </a:p>
         </p:txBody>
@@ -6572,7 +6520,7 @@
               </a:defRPr>
             </a:pPr>
             <a:r>
-              <a:t>Module 3 — Consistency Check Bulk</a:t>
+              <a:t>Module 2 — Consistency Check (Pre/Post)</a:t>
             </a:r>
           </a:p>
         </p:txBody>
@@ -6606,7 +6554,34 @@
               <a:defRPr sz="1500"/>
             </a:pPr>
             <a:r>
-              <a:t>Root folder with subfolders like "yyyymmdd_hhmm_step0" (optionally nested by market).</a:t>
+              <a:t>"input_pre" and "input_post" (or equivalent resolved structure).</a:t>
+            </a:r>
+          </a:p>
+          <a:p>
+            <a:pPr lvl="1">
+              <a:buChar char="•"/>
+              <a:defRPr sz="1500"/>
+            </a:pPr>
+            <a:r>
+              <a:t>Frequencies "n77_ssb_pre" and "n77_ssb_post".</a:t>
+            </a:r>
+          </a:p>
+          <a:p>
+            <a:pPr lvl="1">
+              <a:buChar char="•"/>
+              <a:defRPr sz="1500"/>
+            </a:pPr>
+            <a:r>
+              <a:t>Optional reference to PRE and POST "ConfigurationAudit" to enrich target classification.</a:t>
+            </a:r>
+          </a:p>
+          <a:p>
+            <a:pPr lvl="1">
+              <a:buChar char="•"/>
+              <a:defRPr sz="1500"/>
+            </a:pPr>
+            <a:r>
+              <a:t>Optional list of frequency filters ("cc_freq_filters").</a:t>
             </a:r>
           </a:p>
           <a:p>
@@ -6624,52 +6599,70 @@
               <a:defRPr sz="1500"/>
             </a:pPr>
             <a:r>
-              <a:t>1. Detects PRE/POST candidates by the most appropriate date/time.</a:t>
-            </a:r>
-          </a:p>
-          <a:p>
-            <a:pPr lvl="1">
-              <a:buNone/>
-              <a:defRPr sz="1500"/>
-            </a:pPr>
-            <a:r>
-              <a:t>2. Excludes folders using a blacklist ("ignore", "old", "bad", "partial", "incomplete", "discard", etc.).</a:t>
-            </a:r>
-          </a:p>
-          <a:p>
-            <a:pPr lvl="1">
-              <a:buNone/>
-              <a:defRPr sz="1500"/>
-            </a:pPr>
-            <a:r>
-              <a:t>3. Runs Module 2 for each detected market.</a:t>
-            </a:r>
-          </a:p>
-          <a:p>
-            <a:pPr>
-              <a:buNone/>
-              <a:defRPr b="1" sz="1600"/>
-            </a:pPr>
-            <a:r>
-              <a:t>Outputs</a:t>
-            </a:r>
-          </a:p>
-          <a:p>
-            <a:pPr lvl="1">
-              <a:buChar char="•"/>
-              <a:defRPr sz="1500"/>
-            </a:pPr>
-            <a:r>
-              <a:t>Same output structure as module 2, per market.</a:t>
-            </a:r>
-          </a:p>
-          <a:p>
-            <a:pPr lvl="1">
-              <a:buChar char="•"/>
-              <a:defRPr sz="1500"/>
-            </a:pPr>
-            <a:r>
-              <a:t>Traceability file "FoldersCompared.txt".</a:t>
+              <a:t>1. Loads relation tables ("GUtranCellRelation", "NRCellRelation").</a:t>
+            </a:r>
+          </a:p>
+          <a:p>
+            <a:pPr lvl="1">
+              <a:buNone/>
+              <a:defRPr sz="1500"/>
+            </a:pPr>
+            <a:r>
+              <a:t>2. Normalizes columns/keys and selects the most recent snapshots by date.</a:t>
+            </a:r>
+          </a:p>
+          <a:p>
+            <a:pPr lvl="1">
+              <a:buNone/>
+              <a:defRPr sz="1500"/>
+            </a:pPr>
+            <a:r>
+              <a:t>3. Detect:</a:t>
+            </a:r>
+          </a:p>
+          <a:p>
+            <a:pPr lvl="2">
+              <a:buChar char="•"/>
+              <a:defRPr sz="1500"/>
+            </a:pPr>
+            <a:r>
+              <a:t>new relations,</a:t>
+            </a:r>
+          </a:p>
+          <a:p>
+            <a:pPr lvl="2">
+              <a:buChar char="•"/>
+              <a:defRPr sz="1500"/>
+            </a:pPr>
+            <a:r>
+              <a:t>missing relations,</a:t>
+            </a:r>
+          </a:p>
+          <a:p>
+            <a:pPr lvl="2">
+              <a:buChar char="•"/>
+              <a:defRPr sz="1500"/>
+            </a:pPr>
+            <a:r>
+              <a:t>parameter discrepancies,</a:t>
+            </a:r>
+          </a:p>
+          <a:p>
+            <a:pPr lvl="2">
+              <a:buChar char="•"/>
+              <a:defRPr sz="1500"/>
+            </a:pPr>
+            <a:r>
+              <a:t>frequency discrepancies,</a:t>
+            </a:r>
+          </a:p>
+          <a:p>
+            <a:pPr lvl="2">
+              <a:buChar char="•"/>
+              <a:defRPr sz="1500"/>
+            </a:pPr>
+            <a:r>
+              <a:t>summary by PRE/POST frequency pair.</a:t>
             </a:r>
           </a:p>
         </p:txBody>
@@ -6720,7 +6713,7 @@
               </a:defRPr>
             </a:pPr>
             <a:r>
-              <a:t>Module 4 — Final Clean-Up</a:t>
+              <a:t>Module 2 — Consistency Check (Pre/Post) (cont.)</a:t>
             </a:r>
           </a:p>
         </p:txBody>
@@ -6740,47 +6733,29 @@
           <a:bodyPr/>
           <a:lstStyle/>
           <a:p>
+            <a:pPr lvl="1">
+              <a:buNone/>
+              <a:defRPr sz="1500"/>
+            </a:pPr>
+            <a:r>
+              <a:t>4. Classify destination targets as "SSB-Pre", "SSB-Post" or "Unknown".</a:t>
+            </a:r>
+          </a:p>
+          <a:p>
+            <a:pPr lvl="1">
+              <a:buNone/>
+              <a:defRPr sz="1500"/>
+            </a:pPr>
+            <a:r>
+              <a:t>5. Exports detailed Excel outputs and correction commands.</a:t>
+            </a:r>
+          </a:p>
+          <a:p>
             <a:pPr>
               <a:buNone/>
               <a:defRPr b="1" sz="1600"/>
             </a:pPr>
             <a:r>
-              <a:t>Inputs</a:t>
-            </a:r>
-          </a:p>
-          <a:p>
-            <a:pPr lvl="1">
-              <a:buChar char="•"/>
-              <a:defRPr sz="1500"/>
-            </a:pPr>
-            <a:r>
-              <a:t>Final retune working folder.</a:t>
-            </a:r>
-          </a:p>
-          <a:p>
-            <a:pPr>
-              <a:buNone/>
-              <a:defRPr b="1" sz="1600"/>
-            </a:pPr>
-            <a:r>
-              <a:t>Process</a:t>
-            </a:r>
-          </a:p>
-          <a:p>
-            <a:pPr lvl="1">
-              <a:buChar char="•"/>
-              <a:defRPr sz="1500"/>
-            </a:pPr>
-            <a:r>
-              <a:t>Executes final cleanup policies (structure prepared to expand rules).</a:t>
-            </a:r>
-          </a:p>
-          <a:p>
-            <a:pPr>
-              <a:buNone/>
-              <a:defRPr b="1" sz="1600"/>
-            </a:pPr>
-            <a:r>
               <a:t>Outputs</a:t>
             </a:r>
           </a:p>
@@ -6790,7 +6765,79 @@
               <a:defRPr sz="1500"/>
             </a:pPr>
             <a:r>
-              <a:t>Versioned cleanup directory according to the active implementation.</a:t>
+              <a:t>"CellRelation_&lt;timestamp&gt;_v&lt;version&gt;.xlsx" (end-to-end relations view).</a:t>
+            </a:r>
+          </a:p>
+          <a:p>
+            <a:pPr lvl="1">
+              <a:buChar char="•"/>
+              <a:defRPr sz="1500"/>
+            </a:pPr>
+            <a:r>
+              <a:t>"ConsistencyChecks_CellRelation_&lt;timestamp&gt;_v&lt;version&gt;.xlsx" with:</a:t>
+            </a:r>
+          </a:p>
+          <a:p>
+            <a:pPr lvl="2">
+              <a:buChar char="•"/>
+              <a:defRPr sz="1500"/>
+            </a:pPr>
+            <a:r>
+              <a:t>"Summary"</a:t>
+            </a:r>
+          </a:p>
+          <a:p>
+            <a:pPr lvl="2">
+              <a:buChar char="•"/>
+              <a:defRPr sz="1500"/>
+            </a:pPr>
+            <a:r>
+              <a:t>"SummaryAuditComparisson" (if there is PRE/POST SummaryAudit)</a:t>
+            </a:r>
+          </a:p>
+          <a:p>
+            <a:pPr lvl="2">
+              <a:buChar char="•"/>
+              <a:defRPr sz="1500"/>
+            </a:pPr>
+            <a:r>
+              <a:t>"Summary_CellRelation"</a:t>
+            </a:r>
+          </a:p>
+          <a:p>
+            <a:pPr lvl="2">
+              <a:buChar char="•"/>
+              <a:defRPr sz="1500"/>
+            </a:pPr>
+            <a:r>
+              <a:t>GU blocks: "GU_relations", "GU_param_disc", "GU_freq_disc", "GU_freq_disc_unknown", "GU_missing", "GU_new"</a:t>
+            </a:r>
+          </a:p>
+          <a:p>
+            <a:pPr lvl="2">
+              <a:buChar char="•"/>
+              <a:defRPr sz="1500"/>
+            </a:pPr>
+            <a:r>
+              <a:t>NR blocks: "NR_relations", "NR_param_disc", "NR_freq_disc", "NR_freq_disc_unknown", "NR_missing", "NR_new"</a:t>
+            </a:r>
+          </a:p>
+          <a:p>
+            <a:pPr lvl="2">
+              <a:buChar char="•"/>
+              <a:defRPr sz="1500"/>
+            </a:pPr>
+            <a:r>
+              <a:t>optional "GU_all", "NR_all".</a:t>
+            </a:r>
+          </a:p>
+          <a:p>
+            <a:pPr lvl="1">
+              <a:buChar char="•"/>
+              <a:defRPr sz="1500"/>
+            </a:pPr>
+            <a:r>
+              <a:t>"Correction_Cmd_CC/" with commands per type (new/missing/discrepancies).</a:t>
             </a:r>
           </a:p>
         </p:txBody>
@@ -6829,7 +6876,7 @@
           <a:lstStyle/>
           <a:p>
             <a:r>
-              <a:t>Configuration Audit module in detail</a:t>
+              <a:t>Inputs, outputs, and content per module</a:t>
             </a:r>
           </a:p>
           <a:p>
@@ -6841,7 +6888,7 @@
               </a:defRPr>
             </a:pPr>
             <a:r>
-              <a:t>SummaryAudit checks philosophy</a:t>
+              <a:t>Module 3 — Consistency Check Bulk</a:t>
             </a:r>
           </a:p>
         </p:txBody>
@@ -6863,37 +6910,82 @@
           <a:p>
             <a:pPr>
               <a:buNone/>
-              <a:defRPr sz="1500"/>
-            </a:pPr>
-            <a:r>
-              <a:t>SummaryAudit sheet contains a high-level checks table by categories. The flow:</a:t>
-            </a:r>
-          </a:p>
-          <a:p>
-            <a:pPr lvl="1">
-              <a:buNone/>
-              <a:defRPr sz="1500"/>
-            </a:pPr>
-            <a:r>
-              <a:t>1. Excludes "UNSYNCHRONIZED" nodes based on "MeContext".</a:t>
-            </a:r>
-          </a:p>
-          <a:p>
-            <a:pPr lvl="1">
-              <a:buNone/>
-              <a:defRPr sz="1500"/>
-            </a:pPr>
-            <a:r>
-              <a:t>2. Evaluates NR, LTE, ENDC, Externals, TermPoints, cardinalities, and profiles.</a:t>
-            </a:r>
-          </a:p>
-          <a:p>
-            <a:pPr lvl="1">
-              <a:buNone/>
-              <a:defRPr sz="1500"/>
-            </a:pPr>
-            <a:r>
-              <a:t>3. Records each check as a row ("Category/SubCategory/Metric/Value/ExtraInfo").</a:t>
+              <a:defRPr b="1" sz="1600"/>
+            </a:pPr>
+            <a:r>
+              <a:t>Inputs</a:t>
+            </a:r>
+          </a:p>
+          <a:p>
+            <a:pPr lvl="1">
+              <a:buChar char="•"/>
+              <a:defRPr sz="1500"/>
+            </a:pPr>
+            <a:r>
+              <a:t>Root folder with subfolders like "yyyymmdd_hhmm_step0" (optionally nested by market).</a:t>
+            </a:r>
+          </a:p>
+          <a:p>
+            <a:pPr>
+              <a:buNone/>
+              <a:defRPr b="1" sz="1600"/>
+            </a:pPr>
+            <a:r>
+              <a:t>Process</a:t>
+            </a:r>
+          </a:p>
+          <a:p>
+            <a:pPr lvl="1">
+              <a:buNone/>
+              <a:defRPr sz="1500"/>
+            </a:pPr>
+            <a:r>
+              <a:t>1. Detects PRE/POST candidates by the most appropriate date/time.</a:t>
+            </a:r>
+          </a:p>
+          <a:p>
+            <a:pPr lvl="1">
+              <a:buNone/>
+              <a:defRPr sz="1500"/>
+            </a:pPr>
+            <a:r>
+              <a:t>2. Excludes folders using a blacklist ("ignore", "old", "bad", "partial", "incomplete", "discard", etc.).</a:t>
+            </a:r>
+          </a:p>
+          <a:p>
+            <a:pPr lvl="1">
+              <a:buNone/>
+              <a:defRPr sz="1500"/>
+            </a:pPr>
+            <a:r>
+              <a:t>3. Runs Module 2 for each detected market.</a:t>
+            </a:r>
+          </a:p>
+          <a:p>
+            <a:pPr>
+              <a:buNone/>
+              <a:defRPr b="1" sz="1600"/>
+            </a:pPr>
+            <a:r>
+              <a:t>Outputs</a:t>
+            </a:r>
+          </a:p>
+          <a:p>
+            <a:pPr lvl="1">
+              <a:buChar char="•"/>
+              <a:defRPr sz="1500"/>
+            </a:pPr>
+            <a:r>
+              <a:t>Same output structure as module 2, per market.</a:t>
+            </a:r>
+          </a:p>
+          <a:p>
+            <a:pPr lvl="1">
+              <a:buChar char="•"/>
+              <a:defRPr sz="1500"/>
+            </a:pPr>
+            <a:r>
+              <a:t>Traceability file "FoldersCompared.txt".</a:t>
             </a:r>
           </a:p>
         </p:txBody>
@@ -6932,7 +7024,7 @@
           <a:lstStyle/>
           <a:p>
             <a:r>
-              <a:t>Configuration Audit module in detail</a:t>
+              <a:t>Inputs, outputs, and content per module</a:t>
             </a:r>
           </a:p>
           <a:p>
@@ -6944,7 +7036,7 @@
               </a:defRPr>
             </a:pPr>
             <a:r>
-              <a:t>Operational meaning of SummaryAudit rows</a:t>
+              <a:t>Module 4 — Final Clean-Up</a:t>
             </a:r>
           </a:p>
         </p:txBody>
@@ -6964,75 +7056,57 @@
           <a:bodyPr/>
           <a:lstStyle/>
           <a:p>
-            <a:pPr lvl="1">
-              <a:buChar char="•"/>
-              <a:defRPr sz="1500"/>
-            </a:pPr>
-            <a:r>
-              <a:t>Category: audited technical domain (NR/LTE/ENDC/MeContext/etc.).</a:t>
-            </a:r>
-          </a:p>
-          <a:p>
-            <a:pPr lvl="1">
-              <a:buChar char="•"/>
-              <a:defRPr sz="1500"/>
-            </a:pPr>
-            <a:r>
-              <a:t>SubCategory: type of analysis (Audit/Inconsistencies/Profiles).</a:t>
-            </a:r>
-          </a:p>
-          <a:p>
-            <a:pPr lvl="1">
-              <a:buChar char="•"/>
-              <a:defRPr sz="1500"/>
-            </a:pPr>
-            <a:r>
-              <a:t>Metric: specific rule evaluated.</a:t>
-            </a:r>
-          </a:p>
-          <a:p>
-            <a:pPr lvl="1">
-              <a:buChar char="•"/>
-              <a:defRPr sz="1500"/>
-            </a:pPr>
-            <a:r>
-              <a:t>Value:</a:t>
-            </a:r>
-          </a:p>
-          <a:p>
-            <a:pPr lvl="2">
-              <a:buChar char="•"/>
-              <a:defRPr sz="1500"/>
-            </a:pPr>
-            <a:r>
-              <a:t>Integer: number of affected nodes/relations/cells.</a:t>
-            </a:r>
-          </a:p>
-          <a:p>
-            <a:pPr lvl="2">
-              <a:buChar char="•"/>
-              <a:defRPr sz="1500"/>
-            </a:pPr>
-            <a:r>
-              <a:t>"N/A": not evaluable due to missing columns.</a:t>
-            </a:r>
-          </a:p>
-          <a:p>
-            <a:pPr lvl="2">
-              <a:buChar char="•"/>
-              <a:defRPr sz="1500"/>
-            </a:pPr>
-            <a:r>
-              <a:t>Text: captured status or error.</a:t>
-            </a:r>
-          </a:p>
-          <a:p>
-            <a:pPr lvl="1">
-              <a:buChar char="•"/>
-              <a:defRPr sz="1500"/>
-            </a:pPr>
-            <a:r>
-              <a:t>ExtraInfo: list of nodes or bounded detail for troubleshooting.</a:t>
+            <a:pPr>
+              <a:buNone/>
+              <a:defRPr b="1" sz="1600"/>
+            </a:pPr>
+            <a:r>
+              <a:t>Inputs</a:t>
+            </a:r>
+          </a:p>
+          <a:p>
+            <a:pPr lvl="1">
+              <a:buChar char="•"/>
+              <a:defRPr sz="1500"/>
+            </a:pPr>
+            <a:r>
+              <a:t>Final retune working folder.</a:t>
+            </a:r>
+          </a:p>
+          <a:p>
+            <a:pPr>
+              <a:buNone/>
+              <a:defRPr b="1" sz="1600"/>
+            </a:pPr>
+            <a:r>
+              <a:t>Process</a:t>
+            </a:r>
+          </a:p>
+          <a:p>
+            <a:pPr lvl="1">
+              <a:buChar char="•"/>
+              <a:defRPr sz="1500"/>
+            </a:pPr>
+            <a:r>
+              <a:t>Executes final cleanup policies (structure prepared to expand rules).</a:t>
+            </a:r>
+          </a:p>
+          <a:p>
+            <a:pPr>
+              <a:buNone/>
+              <a:defRPr b="1" sz="1600"/>
+            </a:pPr>
+            <a:r>
+              <a:t>Outputs</a:t>
+            </a:r>
+          </a:p>
+          <a:p>
+            <a:pPr lvl="1">
+              <a:buChar char="•"/>
+              <a:defRPr sz="1500"/>
+            </a:pPr>
+            <a:r>
+              <a:t>Versioned cleanup directory according to the active implementation.</a:t>
             </a:r>
           </a:p>
         </p:txBody>
@@ -7083,7 +7157,7 @@
               </a:defRPr>
             </a:pPr>
             <a:r>
-              <a:t>SummaryAudit checks catalog</a:t>
+              <a:t>SummaryAudit checks philosophy</a:t>
             </a:r>
           </a:p>
         </p:txBody>
@@ -7105,136 +7179,37 @@
           <a:p>
             <a:pPr>
               <a:buNone/>
-              <a:defRPr b="1" sz="1600"/>
-            </a:pPr>
-            <a:r>
-              <a:t>MeContext Audit</a:t>
-            </a:r>
-          </a:p>
-          <a:p>
-            <a:pPr lvl="1">
-              <a:buChar char="•"/>
-              <a:defRPr sz="1500"/>
-            </a:pPr>
-            <a:r>
-              <a:t>total unique nodes and unsynchronized node exclusion.</a:t>
-            </a:r>
-          </a:p>
-          <a:p>
-            <a:pPr lvl="1">
-              <a:buChar char="•"/>
-              <a:defRPr sz="1500"/>
-            </a:pPr>
-            <a:r>
-              <a:t>"UNSYNCHRONIZED" nodes (excluded from the rest of the audits).</a:t>
-            </a:r>
-          </a:p>
-          <a:p>
-            <a:pPr>
-              <a:buNone/>
-              <a:defRPr b="1" sz="1600"/>
-            </a:pPr>
-            <a:r>
-              <a:t>NR Frequency Audit / NR Frequency Inconsistencies</a:t>
-            </a:r>
-          </a:p>
-          <a:p>
-            <a:pPr>
-              <a:buNone/>
-              <a:defRPr sz="1500"/>
-            </a:pPr>
-            <a:r>
-              <a:t>Source tables: "NRCellDU", "NRFrequency", "NRFreqRelation", "NRSectorCarrier", "NRCellRelation", "ExternalNRCellCU", "TermPointToGNodeB", "TermPointToGNB".</a:t>
-            </a:r>
-          </a:p>
-          <a:p>
-            <a:pPr>
-              <a:buNone/>
-              <a:defRPr sz="1500"/>
-            </a:pPr>
-            <a:r>
-              <a:t>Main checks:</a:t>
-            </a:r>
-          </a:p>
-          <a:p>
-            <a:pPr lvl="1">
-              <a:buChar char="•"/>
-              <a:defRPr sz="1500"/>
-            </a:pPr>
-            <a:r>
-              <a:t>Detection of NR nodes with N77 SSB (band 646600–660000).</a:t>
-            </a:r>
-          </a:p>
-          <a:p>
-            <a:pPr lvl="1">
-              <a:buChar char="•"/>
-              <a:defRPr sz="1500"/>
-            </a:pPr>
-            <a:r>
-              <a:t>Classification of NR nodes as LowMidBand / mmWave / mixed.</a:t>
-            </a:r>
-          </a:p>
-          <a:p>
-            <a:pPr lvl="1">
-              <a:buChar char="•"/>
-              <a:defRPr sz="1500"/>
-            </a:pPr>
-            <a:r>
-              <a:t>Nodes whose N77 SSBs are fully within allowed PRE or POST lists.</a:t>
-            </a:r>
-          </a:p>
-          <a:p>
-            <a:pPr lvl="1">
-              <a:buChar char="•"/>
-              <a:defRPr sz="1500"/>
-            </a:pPr>
-            <a:r>
-              <a:t>Nodes with N77 SSB outside allowed lists.</a:t>
-            </a:r>
-          </a:p>
-          <a:p>
-            <a:pPr lvl="1">
-              <a:buChar char="•"/>
-              <a:defRPr sz="1500"/>
-            </a:pPr>
-            <a:r>
-              <a:t>Old/new SSB presence per node (only old, only new, both).</a:t>
-            </a:r>
-          </a:p>
-          <a:p>
-            <a:pPr lvl="1">
-              <a:buChar char="•"/>
-              <a:defRPr sz="1500"/>
-            </a:pPr>
-            <a:r>
-              <a:t>Nodes with NRFreqRelationId in an unexpected format (auto-created outside convention).</a:t>
-            </a:r>
-          </a:p>
-          <a:p>
-            <a:pPr lvl="1">
-              <a:buChar char="•"/>
-              <a:defRPr sz="1500"/>
-            </a:pPr>
-            <a:r>
-              <a:t>NR relations to old/new SSB.</a:t>
-            </a:r>
-          </a:p>
-          <a:p>
-            <a:pPr lvl="1">
-              <a:buChar char="•"/>
-              <a:defRPr sz="1500"/>
-            </a:pPr>
-            <a:r>
-              <a:t>NR externals and termpoints pointing to old/new/unknown.</a:t>
-            </a:r>
-          </a:p>
-          <a:p>
-            <a:pPr>
-              <a:buNone/>
-              <a:defRPr sz="1500"/>
-            </a:pPr>
-            <a:r>
-              <a:t>Typical triggering:</a:t>
+              <a:defRPr sz="1500"/>
+            </a:pPr>
+            <a:r>
+              <a:t>SummaryAudit sheet contains a high-level checks table by categories. The flow:</a:t>
+            </a:r>
+          </a:p>
+          <a:p>
+            <a:pPr lvl="1">
+              <a:buNone/>
+              <a:defRPr sz="1500"/>
+            </a:pPr>
+            <a:r>
+              <a:t>1. Excludes "UNSYNCHRONIZED" nodes based on "MeContext".</a:t>
+            </a:r>
+          </a:p>
+          <a:p>
+            <a:pPr lvl="1">
+              <a:buNone/>
+              <a:defRPr sz="1500"/>
+            </a:pPr>
+            <a:r>
+              <a:t>2. Evaluates NR, LTE, ENDC, Externals, TermPoints, cardinalities, and profiles.</a:t>
+            </a:r>
+          </a:p>
+          <a:p>
+            <a:pPr lvl="1">
+              <a:buNone/>
+              <a:defRPr sz="1500"/>
+            </a:pPr>
+            <a:r>
+              <a:t>3. Records each check as a row ("Category/SubCategory/Metric/Value/ExtraInfo").</a:t>
             </a:r>
           </a:p>
         </p:txBody>
@@ -7285,7 +7260,7 @@
               </a:defRPr>
             </a:pPr>
             <a:r>
-              <a:t>SummaryAudit checks catalog (cont.)</a:t>
+              <a:t>Operational meaning of SummaryAudit rows</a:t>
             </a:r>
           </a:p>
         </p:txBody>
@@ -7310,124 +7285,70 @@
               <a:defRPr sz="1500"/>
             </a:pPr>
             <a:r>
-              <a:t>Each check is enabled if the table and minimum required columns exist.</a:t>
-            </a:r>
-          </a:p>
-          <a:p>
-            <a:pPr lvl="1">
-              <a:buChar char="•"/>
-              <a:defRPr sz="1500"/>
-            </a:pPr>
-            <a:r>
-              <a:t>If columns are missing, a "N/A" status row is added.</a:t>
-            </a:r>
-          </a:p>
-          <a:p>
-            <a:pPr lvl="1">
-              <a:buChar char="•"/>
-              <a:defRPr sz="1500"/>
-            </a:pPr>
-            <a:r>
-              <a:t>If the table is empty or not found, an informative row "Table not found or empty" is added.</a:t>
-            </a:r>
-          </a:p>
-          <a:p>
-            <a:pPr>
-              <a:buNone/>
-              <a:defRPr sz="1500"/>
-            </a:pPr>
-            <a:r>
-              <a:t>Interpretation:</a:t>
-            </a:r>
-          </a:p>
-          <a:p>
-            <a:pPr lvl="1">
-              <a:buChar char="•"/>
-              <a:defRPr sz="1500"/>
-            </a:pPr>
-            <a:r>
-              <a:t>"Value &gt; 0" in inconsistencies indicates a real deviation that requires investigation.</a:t>
-            </a:r>
-          </a:p>
-          <a:p>
-            <a:pPr lvl="1">
-              <a:buChar char="•"/>
-              <a:defRPr sz="1500"/>
-            </a:pPr>
-            <a:r>
-              <a:t>"ExtraInfo" typically lists affected nodes for operational targeting.</a:t>
-            </a:r>
-          </a:p>
-          <a:p>
-            <a:pPr>
-              <a:buNone/>
-              <a:defRPr b="1" sz="1600"/>
-            </a:pPr>
-            <a:r>
-              <a:t>LTE Frequency Audit / LTE Frequency Inconsistencies</a:t>
-            </a:r>
-          </a:p>
-          <a:p>
-            <a:pPr>
-              <a:buNone/>
-              <a:defRPr sz="1500"/>
-            </a:pPr>
-            <a:r>
-              <a:t>Source tables: "GUtranSyncSignalFrequency", "GUtranFreqRelation", "GUtranCellRelation", "ExternalGUtranCell", "TermPointToENodeB".</a:t>
-            </a:r>
-          </a:p>
-          <a:p>
-            <a:pPr>
-              <a:buNone/>
-              <a:defRPr sz="1500"/>
-            </a:pPr>
-            <a:r>
-              <a:t>Main checks:</a:t>
-            </a:r>
-          </a:p>
-          <a:p>
-            <a:pPr lvl="1">
-              <a:buChar char="•"/>
-              <a:defRPr sz="1500"/>
-            </a:pPr>
-            <a:r>
-              <a:t>LTE nodes with old/new SSB.</a:t>
-            </a:r>
-          </a:p>
-          <a:p>
-            <a:pPr lvl="1">
-              <a:buChar char="•"/>
-              <a:defRPr sz="1500"/>
-            </a:pPr>
-            <a:r>
-              <a:t>Nodes with both old/new or old without new.</a:t>
-            </a:r>
-          </a:p>
-          <a:p>
-            <a:pPr lvl="1">
-              <a:buChar char="•"/>
-              <a:defRPr sz="1500"/>
-            </a:pPr>
-            <a:r>
-              <a:t>SSB outside the expected pre/post set.</a:t>
-            </a:r>
-          </a:p>
-          <a:p>
-            <a:pPr lvl="1">
-              <a:buChar char="•"/>
-              <a:defRPr sz="1500"/>
-            </a:pPr>
-            <a:r>
-              <a:t>LTE relations to old/new and parameter discrepancies per cell relation.</a:t>
-            </a:r>
-          </a:p>
-          <a:p>
-            <a:pPr lvl="1">
-              <a:buChar char="•"/>
-              <a:defRPr sz="1500"/>
-            </a:pPr>
-            <a:r>
-              <a:t>LTE externals OUT_OF_SERVICE for old/new.</a:t>
+              <a:t>Category: audited technical domain (NR/LTE/ENDC/MeContext/etc.).</a:t>
+            </a:r>
+          </a:p>
+          <a:p>
+            <a:pPr lvl="1">
+              <a:buChar char="•"/>
+              <a:defRPr sz="1500"/>
+            </a:pPr>
+            <a:r>
+              <a:t>SubCategory: type of analysis (Audit/Inconsistencies/Profiles).</a:t>
+            </a:r>
+          </a:p>
+          <a:p>
+            <a:pPr lvl="1">
+              <a:buChar char="•"/>
+              <a:defRPr sz="1500"/>
+            </a:pPr>
+            <a:r>
+              <a:t>Metric: specific rule evaluated.</a:t>
+            </a:r>
+          </a:p>
+          <a:p>
+            <a:pPr lvl="1">
+              <a:buChar char="•"/>
+              <a:defRPr sz="1500"/>
+            </a:pPr>
+            <a:r>
+              <a:t>Value:</a:t>
+            </a:r>
+          </a:p>
+          <a:p>
+            <a:pPr lvl="2">
+              <a:buChar char="•"/>
+              <a:defRPr sz="1500"/>
+            </a:pPr>
+            <a:r>
+              <a:t>Integer: number of affected nodes/relations/cells.</a:t>
+            </a:r>
+          </a:p>
+          <a:p>
+            <a:pPr lvl="2">
+              <a:buChar char="•"/>
+              <a:defRPr sz="1500"/>
+            </a:pPr>
+            <a:r>
+              <a:t>"N/A": not evaluable due to missing columns.</a:t>
+            </a:r>
+          </a:p>
+          <a:p>
+            <a:pPr lvl="2">
+              <a:buChar char="•"/>
+              <a:defRPr sz="1500"/>
+            </a:pPr>
+            <a:r>
+              <a:t>Text: captured status or error.</a:t>
+            </a:r>
+          </a:p>
+          <a:p>
+            <a:pPr lvl="1">
+              <a:buChar char="•"/>
+              <a:defRPr sz="1500"/>
+            </a:pPr>
+            <a:r>
+              <a:t>ExtraInfo: list of nodes or bounded detail for troubleshooting.</a:t>
             </a:r>
           </a:p>
         </p:txBody>
@@ -7478,7 +7399,7 @@
               </a:defRPr>
             </a:pPr>
             <a:r>
-              <a:t>SummaryAudit checks catalog (cont.)</a:t>
+              <a:t>SummaryAudit checks catalog</a:t>
             </a:r>
           </a:p>
         </p:txBody>
@@ -7503,16 +7424,34 @@
               <a:defRPr b="1" sz="1600"/>
             </a:pPr>
             <a:r>
-              <a:t>ENDC Audit / ENDC Inconsistencies</a:t>
+              <a:t>MeContext Audit</a:t>
+            </a:r>
+          </a:p>
+          <a:p>
+            <a:pPr lvl="1">
+              <a:buChar char="•"/>
+              <a:defRPr sz="1500"/>
+            </a:pPr>
+            <a:r>
+              <a:t>total unique nodes and unsynchronized node exclusion.</a:t>
+            </a:r>
+          </a:p>
+          <a:p>
+            <a:pPr lvl="1">
+              <a:buChar char="•"/>
+              <a:defRPr sz="1500"/>
+            </a:pPr>
+            <a:r>
+              <a:t>"UNSYNCHRONIZED" nodes (excluded from the rest of the audits).</a:t>
             </a:r>
           </a:p>
           <a:p>
             <a:pPr>
               <a:buNone/>
-              <a:defRPr sz="1500"/>
-            </a:pPr>
-            <a:r>
-              <a:t>Source tables: "EndcDistrProfile", "FreqPrioNR".</a:t>
+              <a:defRPr b="1" sz="1600"/>
+            </a:pPr>
+            <a:r>
+              <a:t>NR Frequency Audit / NR Frequency Inconsistencies</a:t>
             </a:r>
           </a:p>
           <a:p>
@@ -7521,6 +7460,15 @@
               <a:defRPr sz="1500"/>
             </a:pPr>
             <a:r>
+              <a:t>Source tables: "NRCellDU", "NRFrequency", "NRFreqRelation", "NRSectorCarrier", "NRCellRelation", "ExternalNRCellCU", "TermPointToGNodeB", "TermPointToGNB".</a:t>
+            </a:r>
+          </a:p>
+          <a:p>
+            <a:pPr>
+              <a:buNone/>
+              <a:defRPr sz="1500"/>
+            </a:pPr>
+            <a:r>
               <a:t>Main checks:</a:t>
             </a:r>
           </a:p>
@@ -7530,79 +7478,79 @@
               <a:defRPr sz="1500"/>
             </a:pPr>
             <a:r>
-              <a:t>"gUtranFreqRef" and "mandatoryGUtranFreqRef" with old/new + N77B combinations.</a:t>
-            </a:r>
-          </a:p>
-          <a:p>
-            <a:pPr lvl="1">
-              <a:buChar char="•"/>
-              <a:defRPr sz="1500"/>
-            </a:pPr>
-            <a:r>
-              <a:t>Nodes that do not contain the expected frequency combination.</a:t>
-            </a:r>
-          </a:p>
-          <a:p>
-            <a:pPr lvl="1">
-              <a:buChar char="•"/>
-              <a:defRPr sz="1500"/>
-            </a:pPr>
-            <a:r>
-              <a:t>In "FreqPrioNR": old without new, both present, and parameter mismatch per cell.</a:t>
+              <a:t>Detection of NR nodes with N77 SSB (band 646600–660000).</a:t>
+            </a:r>
+          </a:p>
+          <a:p>
+            <a:pPr lvl="1">
+              <a:buChar char="•"/>
+              <a:defRPr sz="1500"/>
+            </a:pPr>
+            <a:r>
+              <a:t>Classification of NR nodes as LowMidBand / mmWave / mixed.</a:t>
+            </a:r>
+          </a:p>
+          <a:p>
+            <a:pPr lvl="1">
+              <a:buChar char="•"/>
+              <a:defRPr sz="1500"/>
+            </a:pPr>
+            <a:r>
+              <a:t>Nodes whose N77 SSBs are fully within allowed PRE or POST lists.</a:t>
+            </a:r>
+          </a:p>
+          <a:p>
+            <a:pPr lvl="1">
+              <a:buChar char="•"/>
+              <a:defRPr sz="1500"/>
+            </a:pPr>
+            <a:r>
+              <a:t>Nodes with N77 SSB outside allowed lists.</a:t>
+            </a:r>
+          </a:p>
+          <a:p>
+            <a:pPr lvl="1">
+              <a:buChar char="•"/>
+              <a:defRPr sz="1500"/>
+            </a:pPr>
+            <a:r>
+              <a:t>Old/new SSB presence per node (only old, only new, both).</a:t>
+            </a:r>
+          </a:p>
+          <a:p>
+            <a:pPr lvl="1">
+              <a:buChar char="•"/>
+              <a:defRPr sz="1500"/>
+            </a:pPr>
+            <a:r>
+              <a:t>Nodes with NRFreqRelationId in an unexpected format (auto-created outside convention).</a:t>
+            </a:r>
+          </a:p>
+          <a:p>
+            <a:pPr lvl="1">
+              <a:buChar char="•"/>
+              <a:defRPr sz="1500"/>
+            </a:pPr>
+            <a:r>
+              <a:t>NR relations to old/new SSB.</a:t>
+            </a:r>
+          </a:p>
+          <a:p>
+            <a:pPr lvl="1">
+              <a:buChar char="•"/>
+              <a:defRPr sz="1500"/>
+            </a:pPr>
+            <a:r>
+              <a:t>NR externals and termpoints pointing to old/new/unknown.</a:t>
             </a:r>
           </a:p>
           <a:p>
             <a:pPr>
               <a:buNone/>
-              <a:defRPr b="1" sz="1600"/>
-            </a:pPr>
-            <a:r>
-              <a:t>Cardinalities Audit / Inconsistencies</a:t>
-            </a:r>
-          </a:p>
-          <a:p>
-            <a:pPr>
-              <a:buNone/>
-              <a:defRPr sz="1500"/>
-            </a:pPr>
-            <a:r>
-              <a:t>Cardinality checks per relation table (per node and/or per cell) to detect overprovisioning or gaps versus expected limits.</a:t>
-            </a:r>
-          </a:p>
-          <a:p>
-            <a:pPr>
-              <a:buNone/>
-              <a:defRPr b="1" sz="1600"/>
-            </a:pPr>
-            <a:r>
-              <a:t>Profiles Audit (if enabled)</a:t>
-            </a:r>
-          </a:p>
-          <a:p>
-            <a:pPr lvl="1">
-              <a:buChar char="•"/>
-              <a:defRPr sz="1500"/>
-            </a:pPr>
-            <a:r>
-              <a:t>Compares PRE/POST profiles by supported profile MO.</a:t>
-            </a:r>
-          </a:p>
-          <a:p>
-            <a:pPr lvl="1">
-              <a:buChar char="•"/>
-              <a:defRPr sz="1500"/>
-            </a:pPr>
-            <a:r>
-              <a:t>Detects parameter discrepancies between old/new variants.</a:t>
-            </a:r>
-          </a:p>
-          <a:p>
-            <a:pPr lvl="1">
-              <a:buChar char="•"/>
-              <a:defRPr sz="1500"/>
-            </a:pPr>
-            <a:r>
-              <a:t>Adds results to SummaryAudit and auxiliary detail sheets.</a:t>
+              <a:defRPr sz="1500"/>
+            </a:pPr>
+            <a:r>
+              <a:t>Typical triggering:</a:t>
             </a:r>
           </a:p>
         </p:txBody>
@@ -7641,7 +7589,7 @@
           <a:lstStyle/>
           <a:p>
             <a:r>
-              <a:t>Consistency Check module in detail</a:t>
+              <a:t>Configuration Audit module in detail</a:t>
             </a:r>
           </a:p>
           <a:p>
@@ -7653,7 +7601,7 @@
               </a:defRPr>
             </a:pPr>
             <a:r>
-              <a:t>Filtering by non-retuned nodes</a:t>
+              <a:t>SummaryAudit checks catalog (cont.)</a:t>
             </a:r>
           </a:p>
         </p:txBody>
@@ -7673,12 +7621,129 @@
           <a:bodyPr/>
           <a:lstStyle/>
           <a:p>
+            <a:pPr lvl="1">
+              <a:buChar char="•"/>
+              <a:defRPr sz="1500"/>
+            </a:pPr>
+            <a:r>
+              <a:t>Each check is enabled if the table and minimum required columns exist.</a:t>
+            </a:r>
+          </a:p>
+          <a:p>
+            <a:pPr lvl="1">
+              <a:buChar char="•"/>
+              <a:defRPr sz="1500"/>
+            </a:pPr>
+            <a:r>
+              <a:t>If columns are missing, a "N/A" status row is added.</a:t>
+            </a:r>
+          </a:p>
+          <a:p>
+            <a:pPr lvl="1">
+              <a:buChar char="•"/>
+              <a:defRPr sz="1500"/>
+            </a:pPr>
+            <a:r>
+              <a:t>If the table is empty or not found, an informative row "Table not found or empty" is added.</a:t>
+            </a:r>
+          </a:p>
+          <a:p>
             <a:pPr>
               <a:buNone/>
               <a:defRPr sz="1500"/>
             </a:pPr>
             <a:r>
-              <a:t>If a POST SummaryAudit exists, the module obtains PRE/POST node lists and can exclude discrepancies whose target points to nodes that did not complete retune, reducing operational noise.</a:t>
+              <a:t>Interpretation:</a:t>
+            </a:r>
+          </a:p>
+          <a:p>
+            <a:pPr lvl="1">
+              <a:buChar char="•"/>
+              <a:defRPr sz="1500"/>
+            </a:pPr>
+            <a:r>
+              <a:t>"Value &gt; 0" in inconsistencies indicates a real deviation that requires investigation.</a:t>
+            </a:r>
+          </a:p>
+          <a:p>
+            <a:pPr lvl="1">
+              <a:buChar char="•"/>
+              <a:defRPr sz="1500"/>
+            </a:pPr>
+            <a:r>
+              <a:t>"ExtraInfo" typically lists affected nodes for operational targeting.</a:t>
+            </a:r>
+          </a:p>
+          <a:p>
+            <a:pPr>
+              <a:buNone/>
+              <a:defRPr b="1" sz="1600"/>
+            </a:pPr>
+            <a:r>
+              <a:t>LTE Frequency Audit / LTE Frequency Inconsistencies</a:t>
+            </a:r>
+          </a:p>
+          <a:p>
+            <a:pPr>
+              <a:buNone/>
+              <a:defRPr sz="1500"/>
+            </a:pPr>
+            <a:r>
+              <a:t>Source tables: "GUtranSyncSignalFrequency", "GUtranFreqRelation", "GUtranCellRelation", "ExternalGUtranCell", "TermPointToENodeB".</a:t>
+            </a:r>
+          </a:p>
+          <a:p>
+            <a:pPr>
+              <a:buNone/>
+              <a:defRPr sz="1500"/>
+            </a:pPr>
+            <a:r>
+              <a:t>Main checks:</a:t>
+            </a:r>
+          </a:p>
+          <a:p>
+            <a:pPr lvl="1">
+              <a:buChar char="•"/>
+              <a:defRPr sz="1500"/>
+            </a:pPr>
+            <a:r>
+              <a:t>LTE nodes with old/new SSB.</a:t>
+            </a:r>
+          </a:p>
+          <a:p>
+            <a:pPr lvl="1">
+              <a:buChar char="•"/>
+              <a:defRPr sz="1500"/>
+            </a:pPr>
+            <a:r>
+              <a:t>Nodes with both old/new or old without new.</a:t>
+            </a:r>
+          </a:p>
+          <a:p>
+            <a:pPr lvl="1">
+              <a:buChar char="•"/>
+              <a:defRPr sz="1500"/>
+            </a:pPr>
+            <a:r>
+              <a:t>SSB outside the expected pre/post set.</a:t>
+            </a:r>
+          </a:p>
+          <a:p>
+            <a:pPr lvl="1">
+              <a:buChar char="•"/>
+              <a:defRPr sz="1500"/>
+            </a:pPr>
+            <a:r>
+              <a:t>LTE relations to old/new and parameter discrepancies per cell relation.</a:t>
+            </a:r>
+          </a:p>
+          <a:p>
+            <a:pPr lvl="1">
+              <a:buChar char="•"/>
+              <a:defRPr sz="1500"/>
+            </a:pPr>
+            <a:r>
+              <a:t>LTE externals OUT_OF_SERVICE for old/new.</a:t>
             </a:r>
           </a:p>
         </p:txBody>
@@ -7717,7 +7782,7 @@
           <a:lstStyle/>
           <a:p>
             <a:r>
-              <a:t>Consistency Check module in detail</a:t>
+              <a:t>Configuration Audit module in detail</a:t>
             </a:r>
           </a:p>
           <a:p>
@@ -7729,7 +7794,7 @@
               </a:defRPr>
             </a:pPr>
             <a:r>
-              <a:t>How it detects parameter discrepancies</a:t>
+              <a:t>SummaryAudit checks catalog (cont.)</a:t>
             </a:r>
           </a:p>
         </p:txBody>
@@ -7749,66 +7814,111 @@
           <a:bodyPr/>
           <a:lstStyle/>
           <a:p>
-            <a:pPr lvl="1">
-              <a:buNone/>
-              <a:defRPr sz="1500"/>
-            </a:pPr>
-            <a:r>
-              <a:t>1. Selects common PRE and POST relations by composite key:</a:t>
-            </a:r>
-          </a:p>
-          <a:p>
-            <a:pPr lvl="2">
-              <a:buChar char="•"/>
-              <a:defRPr sz="1500"/>
-            </a:pPr>
-            <a:r>
-              <a:t>GU: typically "NodeId", "EUtranCellFDDId", "GUtranCellRelationId".</a:t>
-            </a:r>
-          </a:p>
-          <a:p>
-            <a:pPr lvl="2">
-              <a:buChar char="•"/>
-              <a:defRPr sz="1500"/>
-            </a:pPr>
-            <a:r>
-              <a:t>NR: typically "NodeId", "NRCellCUId", "NRCellRelationId".</a:t>
-            </a:r>
-          </a:p>
-          <a:p>
-            <a:pPr lvl="1">
-              <a:buNone/>
-              <a:defRPr sz="1500"/>
-            </a:pPr>
-            <a:r>
-              <a:t>2. Excludes control columns (keys, frequency, Pre/Post, Date).</a:t>
-            </a:r>
-          </a:p>
-          <a:p>
-            <a:pPr lvl="1">
-              <a:buNone/>
-              <a:defRPr sz="1500"/>
-            </a:pPr>
-            <a:r>
-              <a:t>3. Compares value-by-value across shared columns.</a:t>
-            </a:r>
-          </a:p>
-          <a:p>
-            <a:pPr lvl="1">
-              <a:buNone/>
-              <a:defRPr sz="1500"/>
-            </a:pPr>
-            <a:r>
-              <a:t>4. Sets "ParamDiff=True" if at least one column differs.</a:t>
-            </a:r>
-          </a:p>
-          <a:p>
-            <a:pPr lvl="1">
-              <a:buNone/>
-              <a:defRPr sz="1500"/>
-            </a:pPr>
-            <a:r>
-              <a:t>5. In GU it ignores "timeOfCreation" and "mobilityStatusNR" to avoid false positives.</a:t>
+            <a:pPr>
+              <a:buNone/>
+              <a:defRPr b="1" sz="1600"/>
+            </a:pPr>
+            <a:r>
+              <a:t>ENDC Audit / ENDC Inconsistencies</a:t>
+            </a:r>
+          </a:p>
+          <a:p>
+            <a:pPr>
+              <a:buNone/>
+              <a:defRPr sz="1500"/>
+            </a:pPr>
+            <a:r>
+              <a:t>Source tables: "EndcDistrProfile", "FreqPrioNR".</a:t>
+            </a:r>
+          </a:p>
+          <a:p>
+            <a:pPr>
+              <a:buNone/>
+              <a:defRPr sz="1500"/>
+            </a:pPr>
+            <a:r>
+              <a:t>Main checks:</a:t>
+            </a:r>
+          </a:p>
+          <a:p>
+            <a:pPr lvl="1">
+              <a:buChar char="•"/>
+              <a:defRPr sz="1500"/>
+            </a:pPr>
+            <a:r>
+              <a:t>"gUtranFreqRef" and "mandatoryGUtranFreqRef" with old/new + N77B combinations.</a:t>
+            </a:r>
+          </a:p>
+          <a:p>
+            <a:pPr lvl="1">
+              <a:buChar char="•"/>
+              <a:defRPr sz="1500"/>
+            </a:pPr>
+            <a:r>
+              <a:t>Nodes that do not contain the expected frequency combination.</a:t>
+            </a:r>
+          </a:p>
+          <a:p>
+            <a:pPr lvl="1">
+              <a:buChar char="•"/>
+              <a:defRPr sz="1500"/>
+            </a:pPr>
+            <a:r>
+              <a:t>In "FreqPrioNR": old without new, both present, and parameter mismatch per cell.</a:t>
+            </a:r>
+          </a:p>
+          <a:p>
+            <a:pPr>
+              <a:buNone/>
+              <a:defRPr b="1" sz="1600"/>
+            </a:pPr>
+            <a:r>
+              <a:t>Cardinalities Audit / Inconsistencies</a:t>
+            </a:r>
+          </a:p>
+          <a:p>
+            <a:pPr>
+              <a:buNone/>
+              <a:defRPr sz="1500"/>
+            </a:pPr>
+            <a:r>
+              <a:t>Cardinality checks per relation table (per node and/or per cell) to detect overprovisioning or gaps versus expected limits.</a:t>
+            </a:r>
+          </a:p>
+          <a:p>
+            <a:pPr>
+              <a:buNone/>
+              <a:defRPr b="1" sz="1600"/>
+            </a:pPr>
+            <a:r>
+              <a:t>Profiles Audit (if enabled)</a:t>
+            </a:r>
+          </a:p>
+          <a:p>
+            <a:pPr lvl="1">
+              <a:buChar char="•"/>
+              <a:defRPr sz="1500"/>
+            </a:pPr>
+            <a:r>
+              <a:t>Compares PRE/POST profiles by supported profile MO.</a:t>
+            </a:r>
+          </a:p>
+          <a:p>
+            <a:pPr lvl="1">
+              <a:buChar char="•"/>
+              <a:defRPr sz="1500"/>
+            </a:pPr>
+            <a:r>
+              <a:t>Detects parameter discrepancies between old/new variants.</a:t>
+            </a:r>
+          </a:p>
+          <a:p>
+            <a:pPr lvl="1">
+              <a:buChar char="•"/>
+              <a:defRPr sz="1500"/>
+            </a:pPr>
+            <a:r>
+              <a:t>Adds results to SummaryAudit and auxiliary detail sheets.</a:t>
             </a:r>
           </a:p>
         </p:txBody>
@@ -7965,7 +8075,7 @@
           <a:lstStyle/>
           <a:p>
             <a:r>
-              <a:t>Consistency Check module in detail</a:t>
+              <a:t>Configuration Audit module in detail</a:t>
             </a:r>
           </a:p>
           <a:p>
@@ -7977,7 +8087,7 @@
               </a:defRPr>
             </a:pPr>
             <a:r>
-              <a:t>How it detects frequency discrepancies</a:t>
+              <a:t>Detailed check execution order and gating rules</a:t>
             </a:r>
           </a:p>
         </p:txBody>
@@ -8002,16 +8112,7 @@
               <a:defRPr sz="1500"/>
             </a:pPr>
             <a:r>
-              <a:t>1. Extracts base frequency from relation references ("extract_gu_freq_base" / "extract_nr_freq_base").</a:t>
-            </a:r>
-          </a:p>
-          <a:p>
-            <a:pPr lvl="1">
-              <a:buNone/>
-              <a:defRPr sz="1500"/>
-            </a:pPr>
-            <a:r>
-              <a:t>2. Discrepancy rule:</a:t>
+              <a:t>1. MeContext pre-processing</a:t>
             </a:r>
           </a:p>
           <a:p>
@@ -8020,16 +8121,7 @@
               <a:defRPr sz="1500"/>
             </a:pPr>
             <a:r>
-              <a:t>if PRE had "freq_before" or "freq_after", and POST does not end up in "freq_after", it marks "FreqDiff=True".</a:t>
-            </a:r>
-          </a:p>
-          <a:p>
-            <a:pPr lvl="1">
-              <a:buNone/>
-              <a:defRPr sz="1500"/>
-            </a:pPr>
-            <a:r>
-              <a:t>3. Classifies the discrepancy as:</a:t>
+              <a:t>Computes total nodes and "UNSYNCHRONIZED" nodes.</a:t>
             </a:r>
           </a:p>
           <a:p>
@@ -8038,7 +8130,16 @@
               <a:defRPr sz="1500"/>
             </a:pPr>
             <a:r>
-              <a:t>"FreqDiff_SSBPost" (target identified as SSB-Post),</a:t>
+              <a:t>Builds an exclusion list and filters all other MO dataframes by "NodeId" before running any other checks.</a:t>
+            </a:r>
+          </a:p>
+          <a:p>
+            <a:pPr lvl="1">
+              <a:buNone/>
+              <a:defRPr sz="1500"/>
+            </a:pPr>
+            <a:r>
+              <a:t>2. Node scoping for Pre/Post interpretation</a:t>
             </a:r>
           </a:p>
           <a:p>
@@ -8047,7 +8148,25 @@
               <a:defRPr sz="1500"/>
             </a:pPr>
             <a:r>
-              <a:t>"FreqDiff_Unknown" (cannot be associated to a known target).</a:t>
+              <a:t>"NRCellDU" checks run first because they generate the rows used to infer node scope (Pre-retune vs Post-retune).</a:t>
+            </a:r>
+          </a:p>
+          <a:p>
+            <a:pPr lvl="2">
+              <a:buChar char="•"/>
+              <a:defRPr sz="1500"/>
+            </a:pPr>
+            <a:r>
+              <a:t>This scope is reused by relation/externals/termpoint checks to classify targets ("SSB-Pre", "SSB-Post", "Unknown").</a:t>
+            </a:r>
+          </a:p>
+          <a:p>
+            <a:pPr lvl="1">
+              <a:buNone/>
+              <a:defRPr sz="1500"/>
+            </a:pPr>
+            <a:r>
+              <a:t>3. Per-table processors</a:t>
             </a:r>
           </a:p>
         </p:txBody>
@@ -8086,7 +8205,7 @@
           <a:lstStyle/>
           <a:p>
             <a:r>
-              <a:t>Consistency Check module in detail</a:t>
+              <a:t>Configuration Audit module in detail</a:t>
             </a:r>
           </a:p>
           <a:p>
@@ -8098,7 +8217,7 @@
               </a:defRPr>
             </a:pPr>
             <a:r>
-              <a:t>How it detects neighbor discrepancies</a:t>
+              <a:t>Detailed check execution order and gating rules (cont.)</a:t>
             </a:r>
           </a:p>
         </p:txBody>
@@ -8118,39 +8237,75 @@
           <a:bodyPr/>
           <a:lstStyle/>
           <a:p>
-            <a:pPr>
-              <a:buNone/>
-              <a:defRPr sz="1500"/>
-            </a:pPr>
-            <a:r>
-              <a:t>They are split into three groups:</a:t>
-            </a:r>
-          </a:p>
-          <a:p>
-            <a:pPr lvl="1">
-              <a:buChar char="•"/>
-              <a:defRPr sz="1500"/>
-            </a:pPr>
-            <a:r>
-              <a:t>New relations: keys present in POST and absent in PRE.</a:t>
-            </a:r>
-          </a:p>
-          <a:p>
-            <a:pPr lvl="1">
-              <a:buChar char="•"/>
-              <a:defRPr sz="1500"/>
-            </a:pPr>
-            <a:r>
-              <a:t>Missing relations: keys present in PRE and absent in POST.</a:t>
-            </a:r>
-          </a:p>
-          <a:p>
-            <a:pPr lvl="1">
-              <a:buChar char="•"/>
-              <a:defRPr sz="1500"/>
-            </a:pPr>
-            <a:r>
-              <a:t>Discrepancies: same key in PRE/POST but with parametric or frequency differences.</a:t>
+            <a:pPr lvl="2">
+              <a:buChar char="•"/>
+              <a:defRPr sz="1500"/>
+            </a:pPr>
+            <a:r>
+              <a:t>NR processors: "NRFrequency", "NRFreqRelation", "NRSectorCarrier", "NRCellRelation".</a:t>
+            </a:r>
+          </a:p>
+          <a:p>
+            <a:pPr lvl="2">
+              <a:buChar char="•"/>
+              <a:defRPr sz="1500"/>
+            </a:pPr>
+            <a:r>
+              <a:t>LTE processors: "GUtranSyncSignalFrequency", "GUtranFreqRelation", "GUtranCellRelation".</a:t>
+            </a:r>
+          </a:p>
+          <a:p>
+            <a:pPr lvl="2">
+              <a:buChar char="•"/>
+              <a:defRPr sz="1500"/>
+            </a:pPr>
+            <a:r>
+              <a:t>Externals/Termpoints: "ExternalNRCellCU", "ExternalGUtranCell", "TermPointToGNodeB", "TermPointToGNB", "TermPointToENodeB".</a:t>
+            </a:r>
+          </a:p>
+          <a:p>
+            <a:pPr lvl="2">
+              <a:buChar char="•"/>
+              <a:defRPr sz="1500"/>
+            </a:pPr>
+            <a:r>
+              <a:t>ENDC/Cardinality/Profile processors follow and append their own rows.</a:t>
+            </a:r>
+          </a:p>
+          <a:p>
+            <a:pPr lvl="1">
+              <a:buNone/>
+              <a:defRPr sz="1500"/>
+            </a:pPr>
+            <a:r>
+              <a:t>4. Resilience model</a:t>
+            </a:r>
+          </a:p>
+          <a:p>
+            <a:pPr lvl="2">
+              <a:buChar char="•"/>
+              <a:defRPr sz="1500"/>
+            </a:pPr>
+            <a:r>
+              <a:t>If a table is missing/empty: emits "Table not found or empty" metric rows.</a:t>
+            </a:r>
+          </a:p>
+          <a:p>
+            <a:pPr lvl="2">
+              <a:buChar char="•"/>
+              <a:defRPr sz="1500"/>
+            </a:pPr>
+            <a:r>
+              <a:t>If required columns are missing: emits "N/A" rows.</a:t>
+            </a:r>
+          </a:p>
+          <a:p>
+            <a:pPr lvl="2">
+              <a:buChar char="•"/>
+              <a:defRPr sz="1500"/>
+            </a:pPr>
+            <a:r>
+              <a:t>If exceptions occur: emits "ERROR: ..." rows without aborting the full SummaryAudit generation.</a:t>
             </a:r>
           </a:p>
         </p:txBody>
@@ -8189,7 +8344,7 @@
           <a:lstStyle/>
           <a:p>
             <a:r>
-              <a:t>Consistency Check module in detail</a:t>
+              <a:t>Configuration Audit module in detail</a:t>
             </a:r>
           </a:p>
           <a:p>
@@ -8201,7 +8356,7 @@
               </a:defRPr>
             </a:pPr>
             <a:r>
-              <a:t>Content of each ConsistencyChecks output sheet</a:t>
+              <a:t>Additional columns injected into parsed MO sheets</a:t>
             </a:r>
           </a:p>
         </p:txBody>
@@ -8221,93 +8376,30 @@
           <a:bodyPr/>
           <a:lstStyle/>
           <a:p>
-            <a:pPr lvl="1">
-              <a:buChar char="•"/>
-              <a:defRPr sz="1500"/>
-            </a:pPr>
-            <a:r>
-              <a:t>Summary: KPIs per table (PRE/POST volume, discrepancies, new/missing, source files).</a:t>
-            </a:r>
-          </a:p>
-          <a:p>
-            <a:pPr lvl="1">
-              <a:buChar char="•"/>
-              <a:defRPr sz="1500"/>
-            </a:pPr>
-            <a:r>
-              <a:t>SummaryAuditComparisson: diff of SummaryAudit PRE vs POST metrics (without "ExtraInfo" to keep the comparison clean).</a:t>
-            </a:r>
-          </a:p>
-          <a:p>
-            <a:pPr lvl="1">
-              <a:buChar char="•"/>
-              <a:defRPr sz="1500"/>
-            </a:pPr>
-            <a:r>
-              <a:t>Summary_CellRelation: KPI per "Freq_Pre/Freq_Post" pair and per technology.</a:t>
-            </a:r>
-          </a:p>
-          <a:p>
-            <a:pPr lvl="1">
-              <a:buChar char="•"/>
-              <a:defRPr sz="1500"/>
-            </a:pPr>
-            <a:r>
-              <a:t>GU_relations / NR_relations: relation universe enriched with target classification and command snippets.</a:t>
-            </a:r>
-          </a:p>
-          <a:p>
-            <a:pPr lvl="1">
-              <a:buChar char="•"/>
-              <a:defRPr sz="1500"/>
-            </a:pPr>
-            <a:r>
-              <a:t>GU_param_disc / NR_param_disc: common relations with param differences.</a:t>
-            </a:r>
-          </a:p>
-          <a:p>
-            <a:pPr lvl="1">
-              <a:buChar char="•"/>
-              <a:defRPr sz="1500"/>
-            </a:pPr>
-            <a:r>
-              <a:t>GU_freq_disc / NR_freq_disc: frequency discrepancies to SSB-Post targets.</a:t>
-            </a:r>
-          </a:p>
-          <a:p>
-            <a:pPr lvl="1">
-              <a:buChar char="•"/>
-              <a:defRPr sz="1500"/>
-            </a:pPr>
-            <a:r>
-              <a:t>GU_freq_disc_unknown / NR_freq_disc_unknown: discrepancies with non-classifiable targets.</a:t>
-            </a:r>
-          </a:p>
-          <a:p>
-            <a:pPr lvl="1">
-              <a:buChar char="•"/>
-              <a:defRPr sz="1500"/>
-            </a:pPr>
-            <a:r>
-              <a:t>GU_missing / NR_missing: relations removed versus PRE.</a:t>
-            </a:r>
-          </a:p>
-          <a:p>
-            <a:pPr lvl="1">
-              <a:buChar char="•"/>
-              <a:defRPr sz="1500"/>
-            </a:pPr>
-            <a:r>
-              <a:t>GU_new / NR_new: relations added in POST.</a:t>
-            </a:r>
-          </a:p>
-          <a:p>
-            <a:pPr lvl="1">
-              <a:buChar char="•"/>
-              <a:defRPr sz="1500"/>
-            </a:pPr>
-            <a:r>
-              <a:t>GU_all / NR_all: optional consolidated dump for extended analysis.</a:t>
+            <a:pPr>
+              <a:buNone/>
+              <a:defRPr sz="1500"/>
+            </a:pPr>
+            <a:r>
+              <a:t>Besides SummaryAudit, Module 1 enriches several raw MO sheets with operational columns for execution/cleanup.</a:t>
+            </a:r>
+          </a:p>
+          <a:p>
+            <a:pPr>
+              <a:buNone/>
+              <a:defRPr b="1" sz="1600"/>
+            </a:pPr>
+            <a:r>
+              <a:t>`MeContext` enrichment (main planning helper)</a:t>
+            </a:r>
+          </a:p>
+          <a:p>
+            <a:pPr>
+              <a:buNone/>
+              <a:defRPr sz="1500"/>
+            </a:pPr>
+            <a:r>
+              <a:t>Additional columns are computed per "NodeId" by aggregating NR/LTE relation tables:</a:t>
             </a:r>
           </a:p>
         </p:txBody>
@@ -8346,7 +8438,19 @@
           <a:lstStyle/>
           <a:p>
             <a:r>
-              <a:t>Input requirements and operational best practices</a:t>
+              <a:t>Configuration Audit module in detail</a:t>
+            </a:r>
+          </a:p>
+          <a:p>
+            <a:pPr>
+              <a:defRPr b="0" sz="2000">
+                <a:solidFill>
+                  <a:schemeClr val="accent2"/>
+                </a:solidFill>
+              </a:defRPr>
+            </a:pPr>
+            <a:r>
+              <a:t>Additional columns injected into parsed MO sheets (cont.)</a:t>
             </a:r>
           </a:p>
         </p:txBody>
@@ -8371,70 +8475,142 @@
               <a:defRPr sz="1500"/>
             </a:pPr>
             <a:r>
-              <a:t>Keep market log exports in a consistent structure (especially for bulk).</a:t>
-            </a:r>
-          </a:p>
-          <a:p>
-            <a:pPr lvl="1">
-              <a:buChar char="•"/>
-              <a:defRPr sz="1500"/>
-            </a:pPr>
-            <a:r>
-              <a:t>Validate that PRE/POST have the same table granularity and consistent naming.</a:t>
-            </a:r>
-          </a:p>
-          <a:p>
-            <a:pPr lvl="1">
-              <a:buChar char="•"/>
-              <a:defRPr sz="1500"/>
-            </a:pPr>
-            <a:r>
-              <a:t>Validate frequency inputs ("n77_ssb_pre", "n77_ssb_post", "n77b_ssb") before batch execution.</a:t>
-            </a:r>
-          </a:p>
-          <a:p>
-            <a:pPr lvl="1">
-              <a:buChar char="•"/>
-              <a:defRPr sz="1500"/>
-            </a:pPr>
-            <a:r>
-              <a:t>Correctly configure allowed SSB/ARFCN lists to minimize false positives.</a:t>
-            </a:r>
-          </a:p>
-          <a:p>
-            <a:pPr lvl="1">
-              <a:buChar char="•"/>
-              <a:defRPr sz="1500"/>
-            </a:pPr>
-            <a:r>
-              <a:t>Run Configuration Audit before Consistency Checks whenever possible.</a:t>
-            </a:r>
-          </a:p>
-          <a:p>
-            <a:pPr lvl="1">
-              <a:buChar char="•"/>
-              <a:defRPr sz="1500"/>
-            </a:pPr>
-            <a:r>
-              <a:t>Use Bulk mode only with a controlled folder naming convention.</a:t>
-            </a:r>
-          </a:p>
-          <a:p>
-            <a:pPr lvl="1">
-              <a:buChar char="•"/>
-              <a:defRPr sz="1500"/>
-            </a:pPr>
-            <a:r>
-              <a:t>Review "Summary" and "Summary_CellRelation" first, then then deep-dive into detail sheets (ConfigurationAudit) and discrepancy tabs (ConsistencyCheck).</a:t>
-            </a:r>
-          </a:p>
-          <a:p>
-            <a:pPr lvl="1">
-              <a:buChar char="•"/>
-              <a:defRPr sz="1500"/>
-            </a:pPr>
-            <a:r>
-              <a:t>Consume "Correction_Cmd_CA" and "Correction_Cmd_CC" as a remediation proposal, not as blind execution.</a:t>
+              <a:t>Topology and inventory:</a:t>
+            </a:r>
+          </a:p>
+          <a:p>
+            <a:pPr lvl="2">
+              <a:buChar char="•"/>
+              <a:defRPr sz="1500"/>
+            </a:pPr>
+            <a:r>
+              <a:t>"mmWave Cells", "LowMidBand Cells", "N77 Cells"</a:t>
+            </a:r>
+          </a:p>
+          <a:p>
+            <a:pPr lvl="2">
+              <a:buChar char="•"/>
+              <a:defRPr sz="1500"/>
+            </a:pPr>
+            <a:r>
+              <a:t>"N77A old SSB cells", "N77A new SSB cells"</a:t>
+            </a:r>
+          </a:p>
+          <a:p>
+            <a:pPr lvl="1">
+              <a:buChar char="•"/>
+              <a:defRPr sz="1500"/>
+            </a:pPr>
+            <a:r>
+              <a:t>Relation counters:</a:t>
+            </a:r>
+          </a:p>
+          <a:p>
+            <a:pPr lvl="2">
+              <a:buChar char="•"/>
+              <a:defRPr sz="1500"/>
+            </a:pPr>
+            <a:r>
+              <a:t>"NRFreqRelation to old N77A SSB", "NRFreqRelation to new N77A SSB"</a:t>
+            </a:r>
+          </a:p>
+          <a:p>
+            <a:pPr lvl="2">
+              <a:buChar char="•"/>
+              <a:defRPr sz="1500"/>
+            </a:pPr>
+            <a:r>
+              <a:t>"GUtranFreqRelation to old N77A SSB", "GUtranFreqRelation to new N77A SSB"</a:t>
+            </a:r>
+          </a:p>
+          <a:p>
+            <a:pPr lvl="1">
+              <a:buChar char="•"/>
+              <a:defRPr sz="1500"/>
+            </a:pPr>
+            <a:r>
+              <a:t>Priority snapshots (unique consolidated values):</a:t>
+            </a:r>
+          </a:p>
+          <a:p>
+            <a:pPr lvl="2">
+              <a:buChar char="•"/>
+              <a:defRPr sz="1500"/>
+            </a:pPr>
+            <a:r>
+              <a:t>"NRFreqRelation to old N77A SSB cellReselPrio"</a:t>
+            </a:r>
+          </a:p>
+          <a:p>
+            <a:pPr lvl="2">
+              <a:buChar char="•"/>
+              <a:defRPr sz="1500"/>
+            </a:pPr>
+            <a:r>
+              <a:t>"NRFreqRelation to new N77A SSB cellReselPrio"</a:t>
+            </a:r>
+          </a:p>
+          <a:p>
+            <a:pPr lvl="2">
+              <a:buChar char="•"/>
+              <a:defRPr sz="1500"/>
+            </a:pPr>
+            <a:r>
+              <a:t>"GUtranFreqRelation to old N77A SSB cellReselPrio"</a:t>
+            </a:r>
+          </a:p>
+          <a:p>
+            <a:pPr lvl="2">
+              <a:buChar char="•"/>
+              <a:defRPr sz="1500"/>
+            </a:pPr>
+            <a:r>
+              <a:t>"GUtranFreqRelation to new N77A SSB cellReselPrio"</a:t>
+            </a:r>
+          </a:p>
+          <a:p>
+            <a:pPr lvl="2">
+              <a:buChar char="•"/>
+              <a:defRPr sz="1500"/>
+            </a:pPr>
+            <a:r>
+              <a:t>"GUtranFreqRelation to old N77A SSB EndcPrio"</a:t>
+            </a:r>
+          </a:p>
+          <a:p>
+            <a:pPr lvl="2">
+              <a:buChar char="•"/>
+              <a:defRPr sz="1500"/>
+            </a:pPr>
+            <a:r>
+              <a:t>"GUtranFreqRelation to new N77A SSB EndcPrio"</a:t>
+            </a:r>
+          </a:p>
+          <a:p>
+            <a:pPr lvl="1">
+              <a:buChar char="•"/>
+              <a:defRPr sz="1500"/>
+            </a:pPr>
+            <a:r>
+              <a:t>Workflow recommendation fields:</a:t>
+            </a:r>
+          </a:p>
+          <a:p>
+            <a:pPr lvl="2">
+              <a:buChar char="•"/>
+              <a:defRPr sz="1500"/>
+            </a:pPr>
+            <a:r>
+              <a:t>"Step1", "Step2b", "Step2ac", "Next Step", "EndcPrio Next Step"</a:t>
+            </a:r>
+          </a:p>
+          <a:p>
+            <a:pPr>
+              <a:buNone/>
+              <a:defRPr sz="1500"/>
+            </a:pPr>
+            <a:r>
+              <a:t>Operational interpretation:</a:t>
             </a:r>
           </a:p>
         </p:txBody>
@@ -8473,7 +8649,19 @@
           <a:lstStyle/>
           <a:p>
             <a:r>
-              <a:t>Execution Modes and Versioning</a:t>
+              <a:t>Configuration Audit module in detail</a:t>
+            </a:r>
+          </a:p>
+          <a:p>
+            <a:pPr>
+              <a:defRPr b="0" sz="2000">
+                <a:solidFill>
+                  <a:schemeClr val="accent2"/>
+                </a:solidFill>
+              </a:defRPr>
+            </a:pPr>
+            <a:r>
+              <a:t>Additional columns injected into parsed MO sheets (cont.)</a:t>
             </a:r>
           </a:p>
         </p:txBody>
@@ -8498,34 +8686,43 @@
               <a:defRPr sz="1500"/>
             </a:pPr>
             <a:r>
-              <a:t>GUI mode: run without CLI arguments.</a:t>
-            </a:r>
-          </a:p>
-          <a:p>
-            <a:pPr lvl="1">
-              <a:buChar char="•"/>
-              <a:defRPr sz="1500"/>
-            </a:pPr>
-            <a:r>
-              <a:t>CLI mode: run with explicit module and options.</a:t>
-            </a:r>
-          </a:p>
-          <a:p>
-            <a:pPr lvl="1">
-              <a:buChar char="•"/>
-              <a:defRPr sz="1500"/>
-            </a:pPr>
-            <a:r>
-              <a:t>Web Interfacee: the tool can be run in a server/client infrastructure, accessing the server through a Web Interface where you can unpload your inputs, enqueue different tasks and  export the results when finish..</a:t>
+              <a:t>"Step1" focuses on old/new relation parity and reselection-priority convergence.</a:t>
+            </a:r>
+          </a:p>
+          <a:p>
+            <a:pPr lvl="1">
+              <a:buChar char="•"/>
+              <a:defRPr sz="1500"/>
+            </a:pPr>
+            <a:r>
+              <a:t>"Step2b" focuses on old/new N77A cell presence.</a:t>
+            </a:r>
+          </a:p>
+          <a:p>
+            <a:pPr lvl="1">
+              <a:buChar char="•"/>
+              <a:defRPr sz="1500"/>
+            </a:pPr>
+            <a:r>
+              <a:t>"Step2ac" focuses on ENDC priority transition validation.</a:t>
+            </a:r>
+          </a:p>
+          <a:p>
+            <a:pPr lvl="1">
+              <a:buChar char="•"/>
+              <a:defRPr sz="1500"/>
+            </a:pPr>
+            <a:r>
+              <a:t>"Next Step" concatenates pending actions to provide a single execution hint per node.</a:t>
             </a:r>
           </a:p>
           <a:p>
             <a:pPr>
               <a:buNone/>
-              <a:defRPr sz="1500"/>
-            </a:pPr>
-            <a:r>
-              <a:t>All Generated artifacts include a versioned suffix: "&lt;timestamp&gt;_v&lt;TOOL_VERSION&gt;".</a:t>
+              <a:defRPr b="1" sz="1600"/>
+            </a:pPr>
+            <a:r>
+              <a:t>`NRCellRelation` and `GUtranCellRelation` enrichment</a:t>
             </a:r>
           </a:p>
           <a:p>
@@ -8534,7 +8731,79 @@
               <a:defRPr sz="1500"/>
             </a:pPr>
             <a:r>
-              <a:t>This guarantees traceability and avoids collisions between runs.</a:t>
+              <a:t>Both relation tables are normalized with helper columns used for discrepancy targeting and command generation:</a:t>
+            </a:r>
+          </a:p>
+          <a:p>
+            <a:pPr lvl="1">
+              <a:buChar char="•"/>
+              <a:defRPr sz="1500"/>
+            </a:pPr>
+            <a:r>
+              <a:t>"Frequency" extracted from relation references.</a:t>
+            </a:r>
+          </a:p>
+          <a:p>
+            <a:pPr lvl="1">
+              <a:buChar char="•"/>
+              <a:defRPr sz="1500"/>
+            </a:pPr>
+            <a:r>
+              <a:t>External endpoint decomposition fields (function/cell identifiers parsed from references).</a:t>
+            </a:r>
+          </a:p>
+          <a:p>
+            <a:pPr lvl="1">
+              <a:buChar char="•"/>
+              <a:defRPr sz="1500"/>
+            </a:pPr>
+            <a:r>
+              <a:t>"GNodeB_SSB_Target" classification ("SSB-Pre"/"SSB-Post"/"Unknown").</a:t>
+            </a:r>
+          </a:p>
+          <a:p>
+            <a:pPr lvl="1">
+              <a:buChar char="•"/>
+              <a:defRPr sz="1500"/>
+            </a:pPr>
+            <a:r>
+              <a:t>"Correction_Cmd" prebuilt command text for the rows considered actionable.</a:t>
+            </a:r>
+          </a:p>
+          <a:p>
+            <a:pPr>
+              <a:buNone/>
+              <a:defRPr b="1" sz="1600"/>
+            </a:pPr>
+            <a:r>
+              <a:t>`ExternalNRCellCU` and `ExternalGUtranCell` enrichment</a:t>
+            </a:r>
+          </a:p>
+          <a:p>
+            <a:pPr lvl="1">
+              <a:buChar char="•"/>
+              <a:defRPr sz="1500"/>
+            </a:pPr>
+            <a:r>
+              <a:t>Adds "Frequency", "Termpoint", "TermpointStatus", "TermpointConsolidatedStatus".</a:t>
+            </a:r>
+          </a:p>
+          <a:p>
+            <a:pPr lvl="1">
+              <a:buChar char="•"/>
+              <a:defRPr sz="1500"/>
+            </a:pPr>
+            <a:r>
+              <a:t>Adds "GNodeB_SSB_Target" and "Correction_Cmd" for retune remediation flows.</a:t>
+            </a:r>
+          </a:p>
+          <a:p>
+            <a:pPr lvl="1">
+              <a:buChar char="•"/>
+              <a:defRPr sz="1500"/>
+            </a:pPr>
+            <a:r>
+              <a:t>For LTE externals, service state ("OUT_OF_SERVICE") is also reflected in SummaryAudit checks.</a:t>
             </a:r>
           </a:p>
         </p:txBody>
@@ -8573,7 +8842,19 @@
           <a:lstStyle/>
           <a:p>
             <a:r>
-              <a:t>Known limitations and considerations</a:t>
+              <a:t>Configuration Audit module in detail</a:t>
+            </a:r>
+          </a:p>
+          <a:p>
+            <a:pPr>
+              <a:defRPr b="0" sz="2000">
+                <a:solidFill>
+                  <a:schemeClr val="accent2"/>
+                </a:solidFill>
+              </a:defRPr>
+            </a:pPr>
+            <a:r>
+              <a:t>Additional columns injected into parsed MO sheets (cont.)</a:t>
             </a:r>
           </a:p>
         </p:txBody>
@@ -8593,30 +8874,30 @@
           <a:bodyPr/>
           <a:lstStyle/>
           <a:p>
-            <a:pPr lvl="1">
-              <a:buChar char="•"/>
-              <a:defRPr sz="1500"/>
-            </a:pPr>
-            <a:r>
-              <a:t>The engine depends on log quality and structure: missing columns downgrade checks to "N/A".</a:t>
-            </a:r>
-          </a:p>
-          <a:p>
-            <a:pPr lvl="1">
-              <a:buChar char="•"/>
-              <a:defRPr sz="1500"/>
-            </a:pPr>
-            <a:r>
-              <a:t>Some rules depend on naming conventions in references (NR/GU relation refs).</a:t>
-            </a:r>
-          </a:p>
-          <a:p>
-            <a:pPr lvl="1">
-              <a:buChar char="•"/>
-              <a:defRPr sz="1500"/>
-            </a:pPr>
-            <a:r>
-              <a:t>The Final Clean-Up module is prepared to extend operation-specific policies.</a:t>
+            <a:pPr>
+              <a:buNone/>
+              <a:defRPr b="1" sz="1600"/>
+            </a:pPr>
+            <a:r>
+              <a:t>`TermPointToGNodeB` / `TermPointToGNB` enrichment</a:t>
+            </a:r>
+          </a:p>
+          <a:p>
+            <a:pPr lvl="1">
+              <a:buChar char="•"/>
+              <a:defRPr sz="1500"/>
+            </a:pPr>
+            <a:r>
+              <a:t>Adds consolidated termpoint health/status fields and "SSB needs update" boolean.</a:t>
+            </a:r>
+          </a:p>
+          <a:p>
+            <a:pPr lvl="1">
+              <a:buChar char="•"/>
+              <a:defRPr sz="1500"/>
+            </a:pPr>
+            <a:r>
+              <a:t>Adds "GNodeB_SSB_Target" and generated "Correction_Cmd" when target and frequency logic indicates migration to post-retune SSB.</a:t>
             </a:r>
           </a:p>
         </p:txBody>
@@ -8630,6 +8911,1544 @@
 </file>
 
 <file path=ppt/slides/slide26.xml><?xml version="1.0" encoding="utf-8"?>
+<p:sld xmlns:a="http://schemas.openxmlformats.org/drawingml/2006/main" xmlns:p="http://schemas.openxmlformats.org/presentationml/2006/main" xmlns:r="http://schemas.openxmlformats.org/officeDocument/2006/relationships">
+  <p:cSld>
+    <p:spTree>
+      <p:nvGrpSpPr>
+        <p:cNvPr id="1" name=""/>
+        <p:cNvGrpSpPr/>
+        <p:nvPr/>
+      </p:nvGrpSpPr>
+      <p:grpSpPr/>
+      <p:sp>
+        <p:nvSpPr>
+          <p:cNvPr id="2" name="Title 1"/>
+          <p:cNvSpPr>
+            <a:spLocks noGrp="1"/>
+          </p:cNvSpPr>
+          <p:nvPr>
+            <p:ph type="title"/>
+          </p:nvPr>
+        </p:nvSpPr>
+        <p:spPr/>
+        <p:txBody>
+          <a:bodyPr/>
+          <a:lstStyle/>
+          <a:p>
+            <a:r>
+              <a:t>Configuration Audit module in detail</a:t>
+            </a:r>
+          </a:p>
+          <a:p>
+            <a:pPr>
+              <a:defRPr b="0" sz="2000">
+                <a:solidFill>
+                  <a:schemeClr val="accent2"/>
+                </a:solidFill>
+              </a:defRPr>
+            </a:pPr>
+            <a:r>
+              <a:t>Key SummaryAudit checks by source table (implementation-level)</a:t>
+            </a:r>
+          </a:p>
+        </p:txBody>
+      </p:sp>
+      <p:sp>
+        <p:nvSpPr>
+          <p:cNvPr id="3" name="Content Placeholder 2"/>
+          <p:cNvSpPr>
+            <a:spLocks noGrp="1"/>
+          </p:cNvSpPr>
+          <p:nvPr>
+            <p:ph idx="1"/>
+          </p:nvPr>
+        </p:nvSpPr>
+        <p:spPr/>
+        <p:txBody>
+          <a:bodyPr/>
+          <a:lstStyle/>
+          <a:p>
+            <a:pPr>
+              <a:buNone/>
+              <a:defRPr sz="1500"/>
+            </a:pPr>
+            <a:r>
+              <a:t>Below is the practical checklist implemented by the processors:</a:t>
+            </a:r>
+          </a:p>
+        </p:txBody>
+      </p:sp>
+    </p:spTree>
+  </p:cSld>
+  <p:clrMapOvr>
+    <a:masterClrMapping/>
+  </p:clrMapOvr>
+</p:sld>
+</file>
+
+<file path=ppt/slides/slide27.xml><?xml version="1.0" encoding="utf-8"?>
+<p:sld xmlns:a="http://schemas.openxmlformats.org/drawingml/2006/main" xmlns:p="http://schemas.openxmlformats.org/presentationml/2006/main" xmlns:r="http://schemas.openxmlformats.org/officeDocument/2006/relationships">
+  <p:cSld>
+    <p:spTree>
+      <p:nvGrpSpPr>
+        <p:cNvPr id="1" name=""/>
+        <p:cNvGrpSpPr/>
+        <p:nvPr/>
+      </p:nvGrpSpPr>
+      <p:grpSpPr/>
+      <p:sp>
+        <p:nvSpPr>
+          <p:cNvPr id="2" name="Title 1"/>
+          <p:cNvSpPr>
+            <a:spLocks noGrp="1"/>
+          </p:cNvSpPr>
+          <p:nvPr>
+            <p:ph type="title"/>
+          </p:nvPr>
+        </p:nvSpPr>
+        <p:spPr/>
+        <p:txBody>
+          <a:bodyPr/>
+          <a:lstStyle/>
+          <a:p>
+            <a:r>
+              <a:t>Configuration Audit module in detail</a:t>
+            </a:r>
+          </a:p>
+          <a:p>
+            <a:pPr>
+              <a:defRPr b="0" sz="2000">
+                <a:solidFill>
+                  <a:schemeClr val="accent2"/>
+                </a:solidFill>
+              </a:defRPr>
+            </a:pPr>
+            <a:r>
+              <a:t>Key SummaryAudit checks by source table (implementation-level) (cont.)</a:t>
+            </a:r>
+          </a:p>
+        </p:txBody>
+      </p:sp>
+      <p:sp>
+        <p:nvSpPr>
+          <p:cNvPr id="3" name="Content Placeholder 2"/>
+          <p:cNvSpPr>
+            <a:spLocks noGrp="1"/>
+          </p:cNvSpPr>
+          <p:nvPr>
+            <p:ph idx="1"/>
+          </p:nvPr>
+        </p:nvSpPr>
+        <p:spPr/>
+        <p:txBody>
+          <a:bodyPr/>
+          <a:lstStyle/>
+          <a:p>
+            <a:pPr lvl="1">
+              <a:buChar char="•"/>
+              <a:defRPr sz="1500"/>
+            </a:pPr>
+            <a:r>
+              <a:t>NRCellDU:</a:t>
+            </a:r>
+          </a:p>
+          <a:p>
+            <a:pPr lvl="2">
+              <a:buChar char="•"/>
+              <a:defRPr sz="1500"/>
+            </a:pPr>
+            <a:r>
+              <a:t>Node classification LowMidBand/mmWave/mixed.</a:t>
+            </a:r>
+          </a:p>
+          <a:p>
+            <a:pPr lvl="2">
+              <a:buChar char="•"/>
+              <a:defRPr sz="1500"/>
+            </a:pPr>
+            <a:r>
+              <a:t>N77-in-band detection.</a:t>
+            </a:r>
+          </a:p>
+          <a:p>
+            <a:pPr lvl="2">
+              <a:buChar char="•"/>
+              <a:defRPr sz="1500"/>
+            </a:pPr>
+            <a:r>
+              <a:t>Allowed pre/post SSB-list compliance and out-of-list inconsistencies.</a:t>
+            </a:r>
+          </a:p>
+          <a:p>
+            <a:pPr lvl="1">
+              <a:buChar char="•"/>
+              <a:defRPr sz="1500"/>
+            </a:pPr>
+            <a:r>
+              <a:t>NRFrequency:</a:t>
+            </a:r>
+          </a:p>
+          <a:p>
+            <a:pPr lvl="2">
+              <a:buChar char="•"/>
+              <a:defRPr sz="1500"/>
+            </a:pPr>
+            <a:r>
+              <a:t>old/new/both/old-without-new presence by node.</a:t>
+            </a:r>
+          </a:p>
+          <a:p>
+            <a:pPr lvl="2">
+              <a:buChar char="•"/>
+              <a:defRPr sz="1500"/>
+            </a:pPr>
+            <a:r>
+              <a:t>values outside expected old/new sets.</a:t>
+            </a:r>
+          </a:p>
+          <a:p>
+            <a:pPr lvl="1">
+              <a:buChar char="•"/>
+              <a:defRPr sz="1500"/>
+            </a:pPr>
+            <a:r>
+              <a:t>NRFreqRelation:</a:t>
+            </a:r>
+          </a:p>
+          <a:p>
+            <a:pPr lvl="2">
+              <a:buChar char="•"/>
+              <a:defRPr sz="1500"/>
+            </a:pPr>
+            <a:r>
+              <a:t>old/new/both/old-without-new relation presence.</a:t>
+            </a:r>
+          </a:p>
+          <a:p>
+            <a:pPr lvl="2">
+              <a:buChar char="•"/>
+              <a:defRPr sz="1500"/>
+            </a:pPr>
+            <a:r>
+              <a:t>naming-convention checks for auto-created relation IDs.</a:t>
+            </a:r>
+          </a:p>
+          <a:p>
+            <a:pPr lvl="2">
+              <a:buChar char="•"/>
+              <a:defRPr sz="1500"/>
+            </a:pPr>
+            <a:r>
+              <a:t>cell-level old-vs-new parameter mismatch detection.</a:t>
+            </a:r>
+          </a:p>
+          <a:p>
+            <a:pPr lvl="2">
+              <a:buChar char="•"/>
+              <a:defRPr sz="1500"/>
+            </a:pPr>
+            <a:r>
+              <a:t>profile reference transition checks (old profile clones vs expected post clone).</a:t>
+            </a:r>
+          </a:p>
+          <a:p>
+            <a:pPr lvl="1">
+              <a:buChar char="•"/>
+              <a:defRPr sz="1500"/>
+            </a:pPr>
+            <a:r>
+              <a:t>NRSectorCarrier:</a:t>
+            </a:r>
+          </a:p>
+          <a:p>
+            <a:pPr lvl="2">
+              <a:buChar char="•"/>
+              <a:defRPr sz="1500"/>
+            </a:pPr>
+            <a:r>
+              <a:t>allowed ARFCN list compliance (pre/post).</a:t>
+            </a:r>
+          </a:p>
+          <a:p>
+            <a:pPr lvl="2">
+              <a:buChar char="•"/>
+              <a:defRPr sz="1500"/>
+            </a:pPr>
+            <a:r>
+              <a:t>out-of-list inconsistencies.</a:t>
+            </a:r>
+          </a:p>
+          <a:p>
+            <a:pPr lvl="1">
+              <a:buChar char="•"/>
+              <a:defRPr sz="1500"/>
+            </a:pPr>
+            <a:r>
+              <a:t>NRCellRelation:</a:t>
+            </a:r>
+          </a:p>
+          <a:p>
+            <a:pPr lvl="2">
+              <a:buChar char="•"/>
+              <a:defRPr sz="1500"/>
+            </a:pPr>
+            <a:r>
+              <a:t>relation counts to old/new targets.</a:t>
+            </a:r>
+          </a:p>
+          <a:p>
+            <a:pPr lvl="2">
+              <a:buChar char="•"/>
+              <a:defRPr sz="1500"/>
+            </a:pPr>
+            <a:r>
+              <a:t>extraction/parsing consistency from "nRFreqRelationRef".</a:t>
+            </a:r>
+          </a:p>
+          <a:p>
+            <a:pPr lvl="1">
+              <a:buChar char="•"/>
+              <a:defRPr sz="1500"/>
+            </a:pPr>
+            <a:r>
+              <a:t>GUtranSyncSignalFrequency:</a:t>
+            </a:r>
+          </a:p>
+          <a:p>
+            <a:pPr lvl="2">
+              <a:buChar char="•"/>
+              <a:defRPr sz="1500"/>
+            </a:pPr>
+            <a:r>
+              <a:t>old/new/both/old-without-new LTE presence by node.</a:t>
+            </a:r>
+          </a:p>
+          <a:p>
+            <a:pPr lvl="2">
+              <a:buChar char="•"/>
+              <a:defRPr sz="1500"/>
+            </a:pPr>
+            <a:r>
+              <a:t>out-of-set inconsistencies.</a:t>
+            </a:r>
+          </a:p>
+          <a:p>
+            <a:pPr lvl="1">
+              <a:buChar char="•"/>
+              <a:defRPr sz="1500"/>
+            </a:pPr>
+            <a:r>
+              <a:t>GUtranFreqRelation:</a:t>
+            </a:r>
+          </a:p>
+          <a:p>
+            <a:pPr lvl="2">
+              <a:buChar char="•"/>
+              <a:defRPr sz="1500"/>
+            </a:pPr>
+            <a:r>
+              <a:t>old/new/both/old-without-new checks.</a:t>
+            </a:r>
+          </a:p>
+          <a:p>
+            <a:pPr lvl="2">
+              <a:buChar char="•"/>
+              <a:defRPr sz="1500"/>
+            </a:pPr>
+            <a:r>
+              <a:t>naming convention validation ("&lt;ssb&gt;-30-20-0-1" style).</a:t>
+            </a:r>
+          </a:p>
+          <a:p>
+            <a:pPr lvl="2">
+              <a:buChar char="•"/>
+              <a:defRPr sz="1500"/>
+            </a:pPr>
+            <a:r>
+              <a:t>old/new cell-level parameter and ENDC priority checks.</a:t>
+            </a:r>
+          </a:p>
+          <a:p>
+            <a:pPr lvl="1">
+              <a:buChar char="•"/>
+              <a:defRPr sz="1500"/>
+            </a:pPr>
+            <a:r>
+              <a:t>GUtranCellRelation:</a:t>
+            </a:r>
+          </a:p>
+          <a:p>
+            <a:pPr lvl="2">
+              <a:buChar char="•"/>
+              <a:defRPr sz="1500"/>
+            </a:pPr>
+            <a:r>
+              <a:t>relation counts to old/new LTE targets.</a:t>
+            </a:r>
+          </a:p>
+          <a:p>
+            <a:pPr lvl="1">
+              <a:buChar char="•"/>
+              <a:defRPr sz="1500"/>
+            </a:pPr>
+            <a:r>
+              <a:t>ExternalNRCellCU / ExternalGUtranCell:</a:t>
+            </a:r>
+          </a:p>
+          <a:p>
+            <a:pPr lvl="2">
+              <a:buChar char="•"/>
+              <a:defRPr sz="1500"/>
+            </a:pPr>
+            <a:r>
+              <a:t>old/new external references counts.</a:t>
+            </a:r>
+          </a:p>
+          <a:p>
+            <a:pPr lvl="2">
+              <a:buChar char="•"/>
+              <a:defRPr sz="1500"/>
+            </a:pPr>
+            <a:r>
+              <a:t>target classification and termpoint correlation.</a:t>
+            </a:r>
+          </a:p>
+          <a:p>
+            <a:pPr lvl="1">
+              <a:buChar char="•"/>
+              <a:defRPr sz="1500"/>
+            </a:pPr>
+            <a:r>
+              <a:t>TermPoint tables:</a:t>
+            </a:r>
+          </a:p>
+          <a:p>
+            <a:pPr lvl="2">
+              <a:buChar char="•"/>
+              <a:defRPr sz="1500"/>
+            </a:pPr>
+            <a:r>
+              <a:t>locked/disabled/unhealthy transport endpoint detection.</a:t>
+            </a:r>
+          </a:p>
+          <a:p>
+            <a:pPr lvl="2">
+              <a:buChar char="•"/>
+              <a:defRPr sz="1500"/>
+            </a:pPr>
+            <a:r>
+              <a:t>alignment with external-cell update needs.</a:t>
+            </a:r>
+          </a:p>
+          <a:p>
+            <a:pPr lvl="1">
+              <a:buChar char="•"/>
+              <a:defRPr sz="1500"/>
+            </a:pPr>
+            <a:r>
+              <a:t>EndcDistrProfile / FreqPrioNR:</a:t>
+            </a:r>
+          </a:p>
+          <a:p>
+            <a:pPr lvl="2">
+              <a:buChar char="•"/>
+              <a:defRPr sz="1500"/>
+            </a:pPr>
+            <a:r>
+              <a:t>expected old/new + N77B combinations.</a:t>
+            </a:r>
+          </a:p>
+          <a:p>
+            <a:pPr lvl="2">
+              <a:buChar char="•"/>
+              <a:defRPr sz="1500"/>
+            </a:pPr>
+            <a:r>
+              <a:t>unexpected combinations and param discrepancies.</a:t>
+            </a:r>
+          </a:p>
+          <a:p>
+            <a:pPr lvl="1">
+              <a:buChar char="•"/>
+              <a:defRPr sz="1500"/>
+            </a:pPr>
+            <a:r>
+              <a:t>Cardinality checks:</a:t>
+            </a:r>
+          </a:p>
+          <a:p>
+            <a:pPr lvl="2">
+              <a:buChar char="•"/>
+              <a:defRPr sz="1500"/>
+            </a:pPr>
+            <a:r>
+              <a:t>hard-limit and threshold checks per node/cell relation families.</a:t>
+            </a:r>
+          </a:p>
+          <a:p>
+            <a:pPr lvl="2">
+              <a:buChar char="•"/>
+              <a:defRPr sz="1500"/>
+            </a:pPr>
+            <a:r>
+              <a:t>explicit inconsistency rows when limits are reached/exceeded.</a:t>
+            </a:r>
+          </a:p>
+        </p:txBody>
+      </p:sp>
+    </p:spTree>
+  </p:cSld>
+  <p:clrMapOvr>
+    <a:masterClrMapping/>
+  </p:clrMapOvr>
+</p:sld>
+</file>
+
+<file path=ppt/slides/slide28.xml><?xml version="1.0" encoding="utf-8"?>
+<p:sld xmlns:a="http://schemas.openxmlformats.org/drawingml/2006/main" xmlns:p="http://schemas.openxmlformats.org/presentationml/2006/main" xmlns:r="http://schemas.openxmlformats.org/officeDocument/2006/relationships">
+  <p:cSld>
+    <p:spTree>
+      <p:nvGrpSpPr>
+        <p:cNvPr id="1" name=""/>
+        <p:cNvGrpSpPr/>
+        <p:nvPr/>
+      </p:nvGrpSpPr>
+      <p:grpSpPr/>
+      <p:sp>
+        <p:nvSpPr>
+          <p:cNvPr id="2" name="Title 1"/>
+          <p:cNvSpPr>
+            <a:spLocks noGrp="1"/>
+          </p:cNvSpPr>
+          <p:nvPr>
+            <p:ph type="title"/>
+          </p:nvPr>
+        </p:nvSpPr>
+        <p:spPr/>
+        <p:txBody>
+          <a:bodyPr/>
+          <a:lstStyle/>
+          <a:p>
+            <a:r>
+              <a:t>Consistency Check module in detail</a:t>
+            </a:r>
+          </a:p>
+          <a:p>
+            <a:pPr>
+              <a:defRPr b="0" sz="2000">
+                <a:solidFill>
+                  <a:schemeClr val="accent2"/>
+                </a:solidFill>
+              </a:defRPr>
+            </a:pPr>
+            <a:r>
+              <a:t>Filtering by non-retuned nodes</a:t>
+            </a:r>
+          </a:p>
+        </p:txBody>
+      </p:sp>
+      <p:sp>
+        <p:nvSpPr>
+          <p:cNvPr id="3" name="Content Placeholder 2"/>
+          <p:cNvSpPr>
+            <a:spLocks noGrp="1"/>
+          </p:cNvSpPr>
+          <p:nvPr>
+            <p:ph idx="1"/>
+          </p:nvPr>
+        </p:nvSpPr>
+        <p:spPr/>
+        <p:txBody>
+          <a:bodyPr/>
+          <a:lstStyle/>
+          <a:p>
+            <a:pPr>
+              <a:buNone/>
+              <a:defRPr sz="1500"/>
+            </a:pPr>
+            <a:r>
+              <a:t>If a POST SummaryAudit exists, the module obtains PRE/POST node lists and can exclude discrepancies whose target points to nodes that did not complete retune, reducing operational noise.</a:t>
+            </a:r>
+          </a:p>
+        </p:txBody>
+      </p:sp>
+    </p:spTree>
+  </p:cSld>
+  <p:clrMapOvr>
+    <a:masterClrMapping/>
+  </p:clrMapOvr>
+</p:sld>
+</file>
+
+<file path=ppt/slides/slide29.xml><?xml version="1.0" encoding="utf-8"?>
+<p:sld xmlns:a="http://schemas.openxmlformats.org/drawingml/2006/main" xmlns:p="http://schemas.openxmlformats.org/presentationml/2006/main" xmlns:r="http://schemas.openxmlformats.org/officeDocument/2006/relationships">
+  <p:cSld>
+    <p:spTree>
+      <p:nvGrpSpPr>
+        <p:cNvPr id="1" name=""/>
+        <p:cNvGrpSpPr/>
+        <p:nvPr/>
+      </p:nvGrpSpPr>
+      <p:grpSpPr/>
+      <p:sp>
+        <p:nvSpPr>
+          <p:cNvPr id="2" name="Title 1"/>
+          <p:cNvSpPr>
+            <a:spLocks noGrp="1"/>
+          </p:cNvSpPr>
+          <p:nvPr>
+            <p:ph type="title"/>
+          </p:nvPr>
+        </p:nvSpPr>
+        <p:spPr/>
+        <p:txBody>
+          <a:bodyPr/>
+          <a:lstStyle/>
+          <a:p>
+            <a:r>
+              <a:t>Consistency Check module in detail</a:t>
+            </a:r>
+          </a:p>
+          <a:p>
+            <a:pPr>
+              <a:defRPr b="0" sz="2000">
+                <a:solidFill>
+                  <a:schemeClr val="accent2"/>
+                </a:solidFill>
+              </a:defRPr>
+            </a:pPr>
+            <a:r>
+              <a:t>How it detects parameter discrepancies</a:t>
+            </a:r>
+          </a:p>
+        </p:txBody>
+      </p:sp>
+      <p:sp>
+        <p:nvSpPr>
+          <p:cNvPr id="3" name="Content Placeholder 2"/>
+          <p:cNvSpPr>
+            <a:spLocks noGrp="1"/>
+          </p:cNvSpPr>
+          <p:nvPr>
+            <p:ph idx="1"/>
+          </p:nvPr>
+        </p:nvSpPr>
+        <p:spPr/>
+        <p:txBody>
+          <a:bodyPr/>
+          <a:lstStyle/>
+          <a:p>
+            <a:pPr lvl="1">
+              <a:buNone/>
+              <a:defRPr sz="1500"/>
+            </a:pPr>
+            <a:r>
+              <a:t>1. Selects common PRE and POST relations by composite key:</a:t>
+            </a:r>
+          </a:p>
+          <a:p>
+            <a:pPr lvl="2">
+              <a:buChar char="•"/>
+              <a:defRPr sz="1500"/>
+            </a:pPr>
+            <a:r>
+              <a:t>GU: typically "NodeId", "EUtranCellFDDId", "GUtranCellRelationId".</a:t>
+            </a:r>
+          </a:p>
+          <a:p>
+            <a:pPr lvl="2">
+              <a:buChar char="•"/>
+              <a:defRPr sz="1500"/>
+            </a:pPr>
+            <a:r>
+              <a:t>NR: typically "NodeId", "NRCellCUId", "NRCellRelationId".</a:t>
+            </a:r>
+          </a:p>
+          <a:p>
+            <a:pPr lvl="1">
+              <a:buNone/>
+              <a:defRPr sz="1500"/>
+            </a:pPr>
+            <a:r>
+              <a:t>2. Excludes control columns (keys, frequency, Pre/Post, Date).</a:t>
+            </a:r>
+          </a:p>
+          <a:p>
+            <a:pPr lvl="1">
+              <a:buNone/>
+              <a:defRPr sz="1500"/>
+            </a:pPr>
+            <a:r>
+              <a:t>3. Compares value-by-value across shared columns.</a:t>
+            </a:r>
+          </a:p>
+          <a:p>
+            <a:pPr lvl="1">
+              <a:buNone/>
+              <a:defRPr sz="1500"/>
+            </a:pPr>
+            <a:r>
+              <a:t>4. Sets "ParamDiff=True" if at least one column differs.</a:t>
+            </a:r>
+          </a:p>
+          <a:p>
+            <a:pPr lvl="1">
+              <a:buNone/>
+              <a:defRPr sz="1500"/>
+            </a:pPr>
+            <a:r>
+              <a:t>5. In GU it ignores "timeOfCreation" and "mobilityStatusNR" to avoid false positives.</a:t>
+            </a:r>
+          </a:p>
+        </p:txBody>
+      </p:sp>
+    </p:spTree>
+  </p:cSld>
+  <p:clrMapOvr>
+    <a:masterClrMapping/>
+  </p:clrMapOvr>
+</p:sld>
+</file>
+
+<file path=ppt/slides/slide3.xml><?xml version="1.0" encoding="utf-8"?>
+<p:sld xmlns:a="http://schemas.openxmlformats.org/drawingml/2006/main" xmlns:p="http://schemas.openxmlformats.org/presentationml/2006/main" xmlns:r="http://schemas.openxmlformats.org/officeDocument/2006/relationships">
+  <p:cSld>
+    <p:spTree>
+      <p:nvGrpSpPr>
+        <p:cNvPr id="1" name=""/>
+        <p:cNvGrpSpPr/>
+        <p:nvPr/>
+      </p:nvGrpSpPr>
+      <p:grpSpPr/>
+      <p:sp>
+        <p:nvSpPr>
+          <p:cNvPr id="2" name="Title 1"/>
+          <p:cNvSpPr>
+            <a:spLocks noGrp="1"/>
+          </p:cNvSpPr>
+          <p:nvPr>
+            <p:ph type="title"/>
+          </p:nvPr>
+        </p:nvSpPr>
+        <p:spPr/>
+        <p:txBody>
+          <a:bodyPr/>
+          <a:lstStyle/>
+          <a:p>
+            <a:r>
+              <a:t>Repository technical architecture</a:t>
+            </a:r>
+          </a:p>
+          <a:p>
+            <a:pPr>
+              <a:defRPr b="0" sz="2000">
+                <a:solidFill>
+                  <a:schemeClr val="accent2"/>
+                </a:solidFill>
+              </a:defRPr>
+            </a:pPr>
+            <a:r>
+              <a:t>Main files</a:t>
+            </a:r>
+          </a:p>
+        </p:txBody>
+      </p:sp>
+      <p:sp>
+        <p:nvSpPr>
+          <p:cNvPr id="3" name="Content Placeholder 2"/>
+          <p:cNvSpPr>
+            <a:spLocks noGrp="1"/>
+          </p:cNvSpPr>
+          <p:nvPr>
+            <p:ph idx="1"/>
+          </p:nvPr>
+        </p:nvSpPr>
+        <p:spPr/>
+        <p:txBody>
+          <a:bodyPr/>
+          <a:lstStyle/>
+          <a:p>
+            <a:pPr>
+              <a:buNone/>
+              <a:defRPr b="1" sz="1600"/>
+            </a:pPr>
+            <a:r>
+              <a:t>Orchestration core</a:t>
+            </a:r>
+          </a:p>
+          <a:p>
+            <a:pPr lvl="1">
+              <a:buChar char="•"/>
+              <a:defRPr sz="1500"/>
+            </a:pPr>
+            <a:r>
+              <a:t>"src/SSB_RetuningAutomations.py": entry point, CLI/GUI parsing, module routing, batch/bulk execution, and versioning.</a:t>
+            </a:r>
+          </a:p>
+          <a:p>
+            <a:pPr>
+              <a:buNone/>
+              <a:defRPr b="1" sz="1600"/>
+            </a:pPr>
+            <a:r>
+              <a:t>Main modules files</a:t>
+            </a:r>
+          </a:p>
+          <a:p>
+            <a:pPr lvl="1">
+              <a:buChar char="•"/>
+              <a:defRPr sz="1500"/>
+            </a:pPr>
+            <a:r>
+              <a:t>"src/modules/ConfigurationAudit/ConfigurationAudit.py": log parsing and audit workbook construction (Excel + PPT).</a:t>
+            </a:r>
+          </a:p>
+          <a:p>
+            <a:pPr lvl="1">
+              <a:buChar char="•"/>
+              <a:defRPr sz="1500"/>
+            </a:pPr>
+            <a:r>
+              <a:t>"src/modules/ConfigurationAudit/ca_summary_excel.py": assembly of "SummaryAudit" and discrepancy dataframes.</a:t>
+            </a:r>
+          </a:p>
+          <a:p>
+            <a:pPr lvl="1">
+              <a:buChar char="•"/>
+              <a:defRPr sz="1500"/>
+            </a:pPr>
+            <a:r>
+              <a:t>"src/modules/ConsistencyChecks/ConsistencyChecks.py": PRE/POST loading, relation comparison, discrepancies, and output export.</a:t>
+            </a:r>
+          </a:p>
+          <a:p>
+            <a:pPr lvl="1">
+              <a:buChar char="•"/>
+              <a:defRPr sz="1500"/>
+            </a:pPr>
+            <a:r>
+              <a:t>"src/modules/ProfilesAudit/ProfilesAudit.py": profiles audit (integrated into module 1).</a:t>
+            </a:r>
+          </a:p>
+          <a:p>
+            <a:pPr lvl="1">
+              <a:buChar char="•"/>
+              <a:defRPr sz="1500"/>
+            </a:pPr>
+            <a:r>
+              <a:t>"src/modules/CleanUp/FinalCleanUp.py": final clean-up (base implementation for extension).</a:t>
+            </a:r>
+          </a:p>
+          <a:p>
+            <a:pPr>
+              <a:buNone/>
+              <a:defRPr b="1" sz="1600"/>
+            </a:pPr>
+            <a:r>
+              <a:t>Common layer and utilities</a:t>
+            </a:r>
+          </a:p>
+        </p:txBody>
+      </p:sp>
+    </p:spTree>
+  </p:cSld>
+  <p:clrMapOvr>
+    <a:masterClrMapping/>
+  </p:clrMapOvr>
+</p:sld>
+</file>
+
+<file path=ppt/slides/slide30.xml><?xml version="1.0" encoding="utf-8"?>
+<p:sld xmlns:a="http://schemas.openxmlformats.org/drawingml/2006/main" xmlns:p="http://schemas.openxmlformats.org/presentationml/2006/main" xmlns:r="http://schemas.openxmlformats.org/officeDocument/2006/relationships">
+  <p:cSld>
+    <p:spTree>
+      <p:nvGrpSpPr>
+        <p:cNvPr id="1" name=""/>
+        <p:cNvGrpSpPr/>
+        <p:nvPr/>
+      </p:nvGrpSpPr>
+      <p:grpSpPr/>
+      <p:sp>
+        <p:nvSpPr>
+          <p:cNvPr id="2" name="Title 1"/>
+          <p:cNvSpPr>
+            <a:spLocks noGrp="1"/>
+          </p:cNvSpPr>
+          <p:nvPr>
+            <p:ph type="title"/>
+          </p:nvPr>
+        </p:nvSpPr>
+        <p:spPr/>
+        <p:txBody>
+          <a:bodyPr/>
+          <a:lstStyle/>
+          <a:p>
+            <a:r>
+              <a:t>Consistency Check module in detail</a:t>
+            </a:r>
+          </a:p>
+          <a:p>
+            <a:pPr>
+              <a:defRPr b="0" sz="2000">
+                <a:solidFill>
+                  <a:schemeClr val="accent2"/>
+                </a:solidFill>
+              </a:defRPr>
+            </a:pPr>
+            <a:r>
+              <a:t>How it detects frequency discrepancies</a:t>
+            </a:r>
+          </a:p>
+        </p:txBody>
+      </p:sp>
+      <p:sp>
+        <p:nvSpPr>
+          <p:cNvPr id="3" name="Content Placeholder 2"/>
+          <p:cNvSpPr>
+            <a:spLocks noGrp="1"/>
+          </p:cNvSpPr>
+          <p:nvPr>
+            <p:ph idx="1"/>
+          </p:nvPr>
+        </p:nvSpPr>
+        <p:spPr/>
+        <p:txBody>
+          <a:bodyPr/>
+          <a:lstStyle/>
+          <a:p>
+            <a:pPr lvl="1">
+              <a:buNone/>
+              <a:defRPr sz="1500"/>
+            </a:pPr>
+            <a:r>
+              <a:t>1. Extracts base frequency from relation references ("extract_gu_freq_base" / "extract_nr_freq_base").</a:t>
+            </a:r>
+          </a:p>
+          <a:p>
+            <a:pPr lvl="1">
+              <a:buNone/>
+              <a:defRPr sz="1500"/>
+            </a:pPr>
+            <a:r>
+              <a:t>2. Discrepancy rule:</a:t>
+            </a:r>
+          </a:p>
+          <a:p>
+            <a:pPr lvl="2">
+              <a:buChar char="•"/>
+              <a:defRPr sz="1500"/>
+            </a:pPr>
+            <a:r>
+              <a:t>if PRE had "freq_before" or "freq_after", and POST does not end up in "freq_after", it marks "FreqDiff=True".</a:t>
+            </a:r>
+          </a:p>
+          <a:p>
+            <a:pPr lvl="1">
+              <a:buNone/>
+              <a:defRPr sz="1500"/>
+            </a:pPr>
+            <a:r>
+              <a:t>3. Classifies the discrepancy as:</a:t>
+            </a:r>
+          </a:p>
+          <a:p>
+            <a:pPr lvl="2">
+              <a:buChar char="•"/>
+              <a:defRPr sz="1500"/>
+            </a:pPr>
+            <a:r>
+              <a:t>"FreqDiff_SSBPost" (target identified as SSB-Post),</a:t>
+            </a:r>
+          </a:p>
+          <a:p>
+            <a:pPr lvl="2">
+              <a:buChar char="•"/>
+              <a:defRPr sz="1500"/>
+            </a:pPr>
+            <a:r>
+              <a:t>"FreqDiff_Unknown" (cannot be associated to a known target).</a:t>
+            </a:r>
+          </a:p>
+        </p:txBody>
+      </p:sp>
+    </p:spTree>
+  </p:cSld>
+  <p:clrMapOvr>
+    <a:masterClrMapping/>
+  </p:clrMapOvr>
+</p:sld>
+</file>
+
+<file path=ppt/slides/slide31.xml><?xml version="1.0" encoding="utf-8"?>
+<p:sld xmlns:a="http://schemas.openxmlformats.org/drawingml/2006/main" xmlns:p="http://schemas.openxmlformats.org/presentationml/2006/main" xmlns:r="http://schemas.openxmlformats.org/officeDocument/2006/relationships">
+  <p:cSld>
+    <p:spTree>
+      <p:nvGrpSpPr>
+        <p:cNvPr id="1" name=""/>
+        <p:cNvGrpSpPr/>
+        <p:nvPr/>
+      </p:nvGrpSpPr>
+      <p:grpSpPr/>
+      <p:sp>
+        <p:nvSpPr>
+          <p:cNvPr id="2" name="Title 1"/>
+          <p:cNvSpPr>
+            <a:spLocks noGrp="1"/>
+          </p:cNvSpPr>
+          <p:nvPr>
+            <p:ph type="title"/>
+          </p:nvPr>
+        </p:nvSpPr>
+        <p:spPr/>
+        <p:txBody>
+          <a:bodyPr/>
+          <a:lstStyle/>
+          <a:p>
+            <a:r>
+              <a:t>Consistency Check module in detail</a:t>
+            </a:r>
+          </a:p>
+          <a:p>
+            <a:pPr>
+              <a:defRPr b="0" sz="2000">
+                <a:solidFill>
+                  <a:schemeClr val="accent2"/>
+                </a:solidFill>
+              </a:defRPr>
+            </a:pPr>
+            <a:r>
+              <a:t>How it detects neighbor discrepancies</a:t>
+            </a:r>
+          </a:p>
+        </p:txBody>
+      </p:sp>
+      <p:sp>
+        <p:nvSpPr>
+          <p:cNvPr id="3" name="Content Placeholder 2"/>
+          <p:cNvSpPr>
+            <a:spLocks noGrp="1"/>
+          </p:cNvSpPr>
+          <p:nvPr>
+            <p:ph idx="1"/>
+          </p:nvPr>
+        </p:nvSpPr>
+        <p:spPr/>
+        <p:txBody>
+          <a:bodyPr/>
+          <a:lstStyle/>
+          <a:p>
+            <a:pPr>
+              <a:buNone/>
+              <a:defRPr sz="1500"/>
+            </a:pPr>
+            <a:r>
+              <a:t>They are split into three groups:</a:t>
+            </a:r>
+          </a:p>
+          <a:p>
+            <a:pPr lvl="1">
+              <a:buChar char="•"/>
+              <a:defRPr sz="1500"/>
+            </a:pPr>
+            <a:r>
+              <a:t>New relations: keys present in POST and absent in PRE.</a:t>
+            </a:r>
+          </a:p>
+          <a:p>
+            <a:pPr lvl="1">
+              <a:buChar char="•"/>
+              <a:defRPr sz="1500"/>
+            </a:pPr>
+            <a:r>
+              <a:t>Missing relations: keys present in PRE and absent in POST.</a:t>
+            </a:r>
+          </a:p>
+          <a:p>
+            <a:pPr lvl="1">
+              <a:buChar char="•"/>
+              <a:defRPr sz="1500"/>
+            </a:pPr>
+            <a:r>
+              <a:t>Discrepancies: same key in PRE/POST but with parametric or frequency differences.</a:t>
+            </a:r>
+          </a:p>
+        </p:txBody>
+      </p:sp>
+    </p:spTree>
+  </p:cSld>
+  <p:clrMapOvr>
+    <a:masterClrMapping/>
+  </p:clrMapOvr>
+</p:sld>
+</file>
+
+<file path=ppt/slides/slide32.xml><?xml version="1.0" encoding="utf-8"?>
+<p:sld xmlns:a="http://schemas.openxmlformats.org/drawingml/2006/main" xmlns:p="http://schemas.openxmlformats.org/presentationml/2006/main" xmlns:r="http://schemas.openxmlformats.org/officeDocument/2006/relationships">
+  <p:cSld>
+    <p:spTree>
+      <p:nvGrpSpPr>
+        <p:cNvPr id="1" name=""/>
+        <p:cNvGrpSpPr/>
+        <p:nvPr/>
+      </p:nvGrpSpPr>
+      <p:grpSpPr/>
+      <p:sp>
+        <p:nvSpPr>
+          <p:cNvPr id="2" name="Title 1"/>
+          <p:cNvSpPr>
+            <a:spLocks noGrp="1"/>
+          </p:cNvSpPr>
+          <p:nvPr>
+            <p:ph type="title"/>
+          </p:nvPr>
+        </p:nvSpPr>
+        <p:spPr/>
+        <p:txBody>
+          <a:bodyPr/>
+          <a:lstStyle/>
+          <a:p>
+            <a:r>
+              <a:t>Consistency Check module in detail</a:t>
+            </a:r>
+          </a:p>
+          <a:p>
+            <a:pPr>
+              <a:defRPr b="0" sz="2000">
+                <a:solidFill>
+                  <a:schemeClr val="accent2"/>
+                </a:solidFill>
+              </a:defRPr>
+            </a:pPr>
+            <a:r>
+              <a:t>Content of each ConsistencyChecks output sheet</a:t>
+            </a:r>
+          </a:p>
+        </p:txBody>
+      </p:sp>
+      <p:sp>
+        <p:nvSpPr>
+          <p:cNvPr id="3" name="Content Placeholder 2"/>
+          <p:cNvSpPr>
+            <a:spLocks noGrp="1"/>
+          </p:cNvSpPr>
+          <p:nvPr>
+            <p:ph idx="1"/>
+          </p:nvPr>
+        </p:nvSpPr>
+        <p:spPr/>
+        <p:txBody>
+          <a:bodyPr/>
+          <a:lstStyle/>
+          <a:p>
+            <a:pPr lvl="1">
+              <a:buChar char="•"/>
+              <a:defRPr sz="1500"/>
+            </a:pPr>
+            <a:r>
+              <a:t>Summary: KPIs per table (PRE/POST volume, discrepancies, new/missing, source files).</a:t>
+            </a:r>
+          </a:p>
+          <a:p>
+            <a:pPr lvl="1">
+              <a:buChar char="•"/>
+              <a:defRPr sz="1500"/>
+            </a:pPr>
+            <a:r>
+              <a:t>SummaryAuditComparisson: diff of SummaryAudit PRE vs POST metrics (without "ExtraInfo" to keep the comparison clean).</a:t>
+            </a:r>
+          </a:p>
+          <a:p>
+            <a:pPr lvl="1">
+              <a:buChar char="•"/>
+              <a:defRPr sz="1500"/>
+            </a:pPr>
+            <a:r>
+              <a:t>Summary_CellRelation: KPI per "Freq_Pre/Freq_Post" pair and per technology.</a:t>
+            </a:r>
+          </a:p>
+          <a:p>
+            <a:pPr lvl="1">
+              <a:buChar char="•"/>
+              <a:defRPr sz="1500"/>
+            </a:pPr>
+            <a:r>
+              <a:t>GU_relations / NR_relations: relation universe enriched with target classification and command snippets.</a:t>
+            </a:r>
+          </a:p>
+          <a:p>
+            <a:pPr lvl="1">
+              <a:buChar char="•"/>
+              <a:defRPr sz="1500"/>
+            </a:pPr>
+            <a:r>
+              <a:t>GU_param_disc / NR_param_disc: common relations with param differences.</a:t>
+            </a:r>
+          </a:p>
+          <a:p>
+            <a:pPr lvl="1">
+              <a:buChar char="•"/>
+              <a:defRPr sz="1500"/>
+            </a:pPr>
+            <a:r>
+              <a:t>GU_freq_disc / NR_freq_disc: frequency discrepancies to SSB-Post targets.</a:t>
+            </a:r>
+          </a:p>
+          <a:p>
+            <a:pPr lvl="1">
+              <a:buChar char="•"/>
+              <a:defRPr sz="1500"/>
+            </a:pPr>
+            <a:r>
+              <a:t>GU_freq_disc_unknown / NR_freq_disc_unknown: discrepancies with non-classifiable targets.</a:t>
+            </a:r>
+          </a:p>
+          <a:p>
+            <a:pPr lvl="1">
+              <a:buChar char="•"/>
+              <a:defRPr sz="1500"/>
+            </a:pPr>
+            <a:r>
+              <a:t>GU_missing / NR_missing: relations removed versus PRE.</a:t>
+            </a:r>
+          </a:p>
+          <a:p>
+            <a:pPr lvl="1">
+              <a:buChar char="•"/>
+              <a:defRPr sz="1500"/>
+            </a:pPr>
+            <a:r>
+              <a:t>GU_new / NR_new: relations added in POST.</a:t>
+            </a:r>
+          </a:p>
+          <a:p>
+            <a:pPr lvl="1">
+              <a:buChar char="•"/>
+              <a:defRPr sz="1500"/>
+            </a:pPr>
+            <a:r>
+              <a:t>GU_all / NR_all: optional consolidated dump for extended analysis.</a:t>
+            </a:r>
+          </a:p>
+        </p:txBody>
+      </p:sp>
+    </p:spTree>
+  </p:cSld>
+  <p:clrMapOvr>
+    <a:masterClrMapping/>
+  </p:clrMapOvr>
+</p:sld>
+</file>
+
+<file path=ppt/slides/slide33.xml><?xml version="1.0" encoding="utf-8"?>
+<p:sld xmlns:a="http://schemas.openxmlformats.org/drawingml/2006/main" xmlns:p="http://schemas.openxmlformats.org/presentationml/2006/main" xmlns:r="http://schemas.openxmlformats.org/officeDocument/2006/relationships">
+  <p:cSld>
+    <p:spTree>
+      <p:nvGrpSpPr>
+        <p:cNvPr id="1" name=""/>
+        <p:cNvGrpSpPr/>
+        <p:nvPr/>
+      </p:nvGrpSpPr>
+      <p:grpSpPr/>
+      <p:sp>
+        <p:nvSpPr>
+          <p:cNvPr id="2" name="Title 1"/>
+          <p:cNvSpPr>
+            <a:spLocks noGrp="1"/>
+          </p:cNvSpPr>
+          <p:nvPr>
+            <p:ph type="title"/>
+          </p:nvPr>
+        </p:nvSpPr>
+        <p:spPr/>
+        <p:txBody>
+          <a:bodyPr/>
+          <a:lstStyle/>
+          <a:p>
+            <a:r>
+              <a:t>Input requirements and operational best practices</a:t>
+            </a:r>
+          </a:p>
+        </p:txBody>
+      </p:sp>
+      <p:sp>
+        <p:nvSpPr>
+          <p:cNvPr id="3" name="Content Placeholder 2"/>
+          <p:cNvSpPr>
+            <a:spLocks noGrp="1"/>
+          </p:cNvSpPr>
+          <p:nvPr>
+            <p:ph idx="1"/>
+          </p:nvPr>
+        </p:nvSpPr>
+        <p:spPr/>
+        <p:txBody>
+          <a:bodyPr/>
+          <a:lstStyle/>
+          <a:p>
+            <a:pPr lvl="1">
+              <a:buChar char="•"/>
+              <a:defRPr sz="1500"/>
+            </a:pPr>
+            <a:r>
+              <a:t>Keep market log exports in a consistent structure (especially for bulk).</a:t>
+            </a:r>
+          </a:p>
+          <a:p>
+            <a:pPr lvl="1">
+              <a:buChar char="•"/>
+              <a:defRPr sz="1500"/>
+            </a:pPr>
+            <a:r>
+              <a:t>Validate that PRE/POST have the same table granularity and consistent naming.</a:t>
+            </a:r>
+          </a:p>
+          <a:p>
+            <a:pPr lvl="1">
+              <a:buChar char="•"/>
+              <a:defRPr sz="1500"/>
+            </a:pPr>
+            <a:r>
+              <a:t>Validate frequency inputs ("n77_ssb_pre", "n77_ssb_post", "n77b_ssb") before batch execution.</a:t>
+            </a:r>
+          </a:p>
+          <a:p>
+            <a:pPr lvl="1">
+              <a:buChar char="•"/>
+              <a:defRPr sz="1500"/>
+            </a:pPr>
+            <a:r>
+              <a:t>Correctly configure allowed SSB/ARFCN lists to minimize false positives.</a:t>
+            </a:r>
+          </a:p>
+          <a:p>
+            <a:pPr lvl="1">
+              <a:buChar char="•"/>
+              <a:defRPr sz="1500"/>
+            </a:pPr>
+            <a:r>
+              <a:t>Run Configuration Audit before Consistency Checks whenever possible.</a:t>
+            </a:r>
+          </a:p>
+          <a:p>
+            <a:pPr lvl="1">
+              <a:buChar char="•"/>
+              <a:defRPr sz="1500"/>
+            </a:pPr>
+            <a:r>
+              <a:t>Use Bulk mode only with a controlled folder naming convention.</a:t>
+            </a:r>
+          </a:p>
+          <a:p>
+            <a:pPr lvl="1">
+              <a:buChar char="•"/>
+              <a:defRPr sz="1500"/>
+            </a:pPr>
+            <a:r>
+              <a:t>Review "Summary" and "Summary_CellRelation" first, then then deep-dive into detail sheets (ConfigurationAudit) and discrepancy tabs (ConsistencyCheck).</a:t>
+            </a:r>
+          </a:p>
+          <a:p>
+            <a:pPr lvl="1">
+              <a:buChar char="•"/>
+              <a:defRPr sz="1500"/>
+            </a:pPr>
+            <a:r>
+              <a:t>Consume "Correction_Cmd_CA" and "Correction_Cmd_CC" as a remediation proposal, not as blind execution.</a:t>
+            </a:r>
+          </a:p>
+        </p:txBody>
+      </p:sp>
+    </p:spTree>
+  </p:cSld>
+  <p:clrMapOvr>
+    <a:masterClrMapping/>
+  </p:clrMapOvr>
+</p:sld>
+</file>
+
+<file path=ppt/slides/slide34.xml><?xml version="1.0" encoding="utf-8"?>
+<p:sld xmlns:a="http://schemas.openxmlformats.org/drawingml/2006/main" xmlns:p="http://schemas.openxmlformats.org/presentationml/2006/main" xmlns:r="http://schemas.openxmlformats.org/officeDocument/2006/relationships">
+  <p:cSld>
+    <p:spTree>
+      <p:nvGrpSpPr>
+        <p:cNvPr id="1" name=""/>
+        <p:cNvGrpSpPr/>
+        <p:nvPr/>
+      </p:nvGrpSpPr>
+      <p:grpSpPr/>
+      <p:sp>
+        <p:nvSpPr>
+          <p:cNvPr id="2" name="Title 1"/>
+          <p:cNvSpPr>
+            <a:spLocks noGrp="1"/>
+          </p:cNvSpPr>
+          <p:nvPr>
+            <p:ph type="title"/>
+          </p:nvPr>
+        </p:nvSpPr>
+        <p:spPr/>
+        <p:txBody>
+          <a:bodyPr/>
+          <a:lstStyle/>
+          <a:p>
+            <a:r>
+              <a:t>Execution Modes and Versioning</a:t>
+            </a:r>
+          </a:p>
+        </p:txBody>
+      </p:sp>
+      <p:sp>
+        <p:nvSpPr>
+          <p:cNvPr id="3" name="Content Placeholder 2"/>
+          <p:cNvSpPr>
+            <a:spLocks noGrp="1"/>
+          </p:cNvSpPr>
+          <p:nvPr>
+            <p:ph idx="1"/>
+          </p:nvPr>
+        </p:nvSpPr>
+        <p:spPr/>
+        <p:txBody>
+          <a:bodyPr/>
+          <a:lstStyle/>
+          <a:p>
+            <a:pPr lvl="1">
+              <a:buChar char="•"/>
+              <a:defRPr sz="1500"/>
+            </a:pPr>
+            <a:r>
+              <a:t>GUI mode: run without CLI arguments.</a:t>
+            </a:r>
+          </a:p>
+          <a:p>
+            <a:pPr lvl="1">
+              <a:buChar char="•"/>
+              <a:defRPr sz="1500"/>
+            </a:pPr>
+            <a:r>
+              <a:t>CLI mode: run with explicit module and options.</a:t>
+            </a:r>
+          </a:p>
+          <a:p>
+            <a:pPr lvl="1">
+              <a:buChar char="•"/>
+              <a:defRPr sz="1500"/>
+            </a:pPr>
+            <a:r>
+              <a:t>Web Interfacee: the tool can be run in a server/client infrastructure, accessing the server through a Web Interface where you can unpload your inputs, enqueue different tasks and  export the results when finish..</a:t>
+            </a:r>
+          </a:p>
+          <a:p>
+            <a:pPr>
+              <a:buNone/>
+              <a:defRPr sz="1500"/>
+            </a:pPr>
+            <a:r>
+              <a:t>All Generated artifacts include a versioned suffix: "&lt;timestamp&gt;_v&lt;TOOL_VERSION&gt;".</a:t>
+            </a:r>
+          </a:p>
+          <a:p>
+            <a:pPr>
+              <a:buNone/>
+              <a:defRPr sz="1500"/>
+            </a:pPr>
+            <a:r>
+              <a:t>This guarantees traceability and avoids collisions between runs.</a:t>
+            </a:r>
+          </a:p>
+        </p:txBody>
+      </p:sp>
+    </p:spTree>
+  </p:cSld>
+  <p:clrMapOvr>
+    <a:masterClrMapping/>
+  </p:clrMapOvr>
+</p:sld>
+</file>
+
+<file path=ppt/slides/slide35.xml><?xml version="1.0" encoding="utf-8"?>
+<p:sld xmlns:a="http://schemas.openxmlformats.org/drawingml/2006/main" xmlns:p="http://schemas.openxmlformats.org/presentationml/2006/main" xmlns:r="http://schemas.openxmlformats.org/officeDocument/2006/relationships">
+  <p:cSld>
+    <p:spTree>
+      <p:nvGrpSpPr>
+        <p:cNvPr id="1" name=""/>
+        <p:cNvGrpSpPr/>
+        <p:nvPr/>
+      </p:nvGrpSpPr>
+      <p:grpSpPr/>
+      <p:sp>
+        <p:nvSpPr>
+          <p:cNvPr id="2" name="Title 1"/>
+          <p:cNvSpPr>
+            <a:spLocks noGrp="1"/>
+          </p:cNvSpPr>
+          <p:nvPr>
+            <p:ph type="title"/>
+          </p:nvPr>
+        </p:nvSpPr>
+        <p:spPr/>
+        <p:txBody>
+          <a:bodyPr/>
+          <a:lstStyle/>
+          <a:p>
+            <a:r>
+              <a:t>Known limitations and considerations</a:t>
+            </a:r>
+          </a:p>
+        </p:txBody>
+      </p:sp>
+      <p:sp>
+        <p:nvSpPr>
+          <p:cNvPr id="3" name="Content Placeholder 2"/>
+          <p:cNvSpPr>
+            <a:spLocks noGrp="1"/>
+          </p:cNvSpPr>
+          <p:nvPr>
+            <p:ph idx="1"/>
+          </p:nvPr>
+        </p:nvSpPr>
+        <p:spPr/>
+        <p:txBody>
+          <a:bodyPr/>
+          <a:lstStyle/>
+          <a:p>
+            <a:pPr lvl="1">
+              <a:buChar char="•"/>
+              <a:defRPr sz="1500"/>
+            </a:pPr>
+            <a:r>
+              <a:t>The engine depends on log quality and structure: missing columns downgrade checks to "N/A".</a:t>
+            </a:r>
+          </a:p>
+          <a:p>
+            <a:pPr lvl="1">
+              <a:buChar char="•"/>
+              <a:defRPr sz="1500"/>
+            </a:pPr>
+            <a:r>
+              <a:t>Some rules depend on naming conventions in references (NR/GU relation refs).</a:t>
+            </a:r>
+          </a:p>
+          <a:p>
+            <a:pPr lvl="1">
+              <a:buChar char="•"/>
+              <a:defRPr sz="1500"/>
+            </a:pPr>
+            <a:r>
+              <a:t>The Final Clean-Up module is prepared to extend operation-specific policies.</a:t>
+            </a:r>
+          </a:p>
+        </p:txBody>
+      </p:sp>
+    </p:spTree>
+  </p:cSld>
+  <p:clrMapOvr>
+    <a:masterClrMapping/>
+  </p:clrMapOvr>
+</p:sld>
+</file>
+
+<file path=ppt/slides/slide36.xml><?xml version="1.0" encoding="utf-8"?>
 <p:sld xmlns:a="http://schemas.openxmlformats.org/drawingml/2006/main" xmlns:p="http://schemas.openxmlformats.org/presentationml/2006/main" xmlns:r="http://schemas.openxmlformats.org/officeDocument/2006/relationships">
   <p:cSld>
     <p:spTree>
@@ -9229,7 +11048,7 @@
 </p:sld>
 </file>
 
-<file path=ppt/slides/slide3.xml><?xml version="1.0" encoding="utf-8"?>
+<file path=ppt/slides/slide37.xml><?xml version="1.0" encoding="utf-8"?>
 <p:sld xmlns:a="http://schemas.openxmlformats.org/drawingml/2006/main" xmlns:p="http://schemas.openxmlformats.org/presentationml/2006/main" xmlns:r="http://schemas.openxmlformats.org/officeDocument/2006/relationships">
   <p:cSld>
     <p:spTree>
@@ -9255,19 +11074,7 @@
           <a:lstStyle/>
           <a:p>
             <a:r>
-              <a:t>Repository technical architecture</a:t>
-            </a:r>
-          </a:p>
-          <a:p>
-            <a:pPr>
-              <a:defRPr b="0" sz="2000">
-                <a:solidFill>
-                  <a:schemeClr val="accent2"/>
-                </a:solidFill>
-              </a:defRPr>
-            </a:pPr>
-            <a:r>
-              <a:t>Main files</a:t>
+              <a:t>Additional documentation recommendations (detected gaps)</a:t>
             </a:r>
           </a:p>
         </p:txBody>
@@ -9289,82 +11096,55 @@
           <a:p>
             <a:pPr>
               <a:buNone/>
-              <a:defRPr b="1" sz="1600"/>
-            </a:pPr>
-            <a:r>
-              <a:t>Orchestration core</a:t>
-            </a:r>
-          </a:p>
-          <a:p>
-            <a:pPr lvl="1">
-              <a:buChar char="•"/>
-              <a:defRPr sz="1500"/>
-            </a:pPr>
-            <a:r>
-              <a:t>"src/SSB_RetuningAutomations.py": entry point, CLI/GUI parsing, module routing, batch/bulk execution, and versioning.</a:t>
-            </a:r>
-          </a:p>
-          <a:p>
-            <a:pPr>
-              <a:buNone/>
-              <a:defRPr b="1" sz="1600"/>
-            </a:pPr>
-            <a:r>
-              <a:t>Main modules files</a:t>
-            </a:r>
-          </a:p>
-          <a:p>
-            <a:pPr lvl="1">
-              <a:buChar char="•"/>
-              <a:defRPr sz="1500"/>
-            </a:pPr>
-            <a:r>
-              <a:t>"src/modules/ConfigurationAudit/ConfigurationAudit.py": log parsing and audit workbook construction (Excel + PPT).</a:t>
-            </a:r>
-          </a:p>
-          <a:p>
-            <a:pPr lvl="1">
-              <a:buChar char="•"/>
-              <a:defRPr sz="1500"/>
-            </a:pPr>
-            <a:r>
-              <a:t>"src/modules/ConfigurationAudit/ca_summary_excel.py": assembly of "SummaryAudit" and discrepancy dataframes.</a:t>
-            </a:r>
-          </a:p>
-          <a:p>
-            <a:pPr lvl="1">
-              <a:buChar char="•"/>
-              <a:defRPr sz="1500"/>
-            </a:pPr>
-            <a:r>
-              <a:t>"src/modules/ConsistencyChecks/ConsistencyChecks.py": PRE/POST loading, relation comparison, discrepancies, and output export.</a:t>
-            </a:r>
-          </a:p>
-          <a:p>
-            <a:pPr lvl="1">
-              <a:buChar char="•"/>
-              <a:defRPr sz="1500"/>
-            </a:pPr>
-            <a:r>
-              <a:t>"src/modules/ProfilesAudit/ProfilesAudit.py": profiles audit (integrated into module 1).</a:t>
-            </a:r>
-          </a:p>
-          <a:p>
-            <a:pPr lvl="1">
-              <a:buChar char="•"/>
-              <a:defRPr sz="1500"/>
-            </a:pPr>
-            <a:r>
-              <a:t>"src/modules/CleanUp/FinalCleanUp.py": final clean-up (base implementation for extension).</a:t>
-            </a:r>
-          </a:p>
-          <a:p>
-            <a:pPr>
-              <a:buNone/>
-              <a:defRPr b="1" sz="1600"/>
-            </a:pPr>
-            <a:r>
-              <a:t>Common layer and utilities</a:t>
+              <a:defRPr sz="1500"/>
+            </a:pPr>
+            <a:r>
+              <a:t>To keep the guide aligned with the real behavior, these areas are also important to document in future iterations:</a:t>
+            </a:r>
+          </a:p>
+          <a:p>
+            <a:pPr lvl="1">
+              <a:buChar char="•"/>
+              <a:defRPr sz="1500"/>
+            </a:pPr>
+            <a:r>
+              <a:t>Explicit mapping of each "SummaryAudit" metric to its correction-command export sheet/folder.</a:t>
+            </a:r>
+          </a:p>
+          <a:p>
+            <a:pPr lvl="1">
+              <a:buChar char="•"/>
+              <a:defRPr sz="1500"/>
+            </a:pPr>
+            <a:r>
+              <a:t>Full decision table for "Step1/Step2b/Step2ac" outcomes and expected operator actions.</a:t>
+            </a:r>
+          </a:p>
+          <a:p>
+            <a:pPr lvl="1">
+              <a:buChar char="•"/>
+              <a:defRPr sz="1500"/>
+            </a:pPr>
+            <a:r>
+              <a:t>Cardinality thresholds per MO (including rationale and vendor constraints).</a:t>
+            </a:r>
+          </a:p>
+          <a:p>
+            <a:pPr lvl="1">
+              <a:buChar char="•"/>
+              <a:defRPr sz="1500"/>
+            </a:pPr>
+            <a:r>
+              <a:t>Frequency-audit feature toggle behavior ("frequency_audit") and which checks are suppressed when disabled.</a:t>
+            </a:r>
+          </a:p>
+          <a:p>
+            <a:pPr lvl="1">
+              <a:buChar char="•"/>
+              <a:defRPr sz="1500"/>
+            </a:pPr>
+            <a:r>
+              <a:t>Detailed limitations of reference parsing when vendor naming conventions are not respected.</a:t>
             </a:r>
           </a:p>
         </p:txBody>
@@ -9618,6 +11398,15 @@
               <a:t>Updates the persisted network frequency value used for filtering and selection in later runs.</a:t>
             </a:r>
           </a:p>
+          <a:p>
+            <a:pPr>
+              <a:buNone/>
+              <a:defRPr b="1" sz="1600"/>
+            </a:pPr>
+            <a:r>
+              <a:t>Detailed implementation notes</a:t>
+            </a:r>
+          </a:p>
         </p:txBody>
       </p:sp>
     </p:spTree>
@@ -9666,7 +11455,7 @@
               </a:defRPr>
             </a:pPr>
             <a:r>
-              <a:t>Module 1 — Configuration Audit &amp; Logs Parser</a:t>
+              <a:t>Module 0 — Update Network Frequencies (cont.)</a:t>
             </a:r>
           </a:p>
         </p:txBody>
@@ -9686,120 +11475,57 @@
           <a:bodyPr/>
           <a:lstStyle/>
           <a:p>
+            <a:pPr lvl="1">
+              <a:buChar char="•"/>
+              <a:defRPr sz="1500"/>
+            </a:pPr>
+            <a:r>
+              <a:t>The module reuses the same input resolver used by the other modules ("ensure_logs_available"), so it can consume either plain folders or folders containing ZIPs without changing operator workflow.</a:t>
+            </a:r>
+          </a:p>
+          <a:p>
+            <a:pPr lvl="1">
+              <a:buChar char="•"/>
+              <a:defRPr sz="1500"/>
+            </a:pPr>
+            <a:r>
+              <a:t>It scans all detected logs, slices each "SubNetwork" block, and processes only blocks where MO name is exactly "NRFrequency".</a:t>
+            </a:r>
+          </a:p>
+          <a:p>
+            <a:pPr lvl="1">
+              <a:buChar char="•"/>
+              <a:defRPr sz="1500"/>
+            </a:pPr>
+            <a:r>
+              <a:t>Inside each "NRFrequency" block, it reads "arfcnValueNRDl", keeps only strictly numeric values, deduplicates, and sorts numerically.</a:t>
+            </a:r>
+          </a:p>
+          <a:p>
+            <a:pPr lvl="1">
+              <a:buChar char="•"/>
+              <a:defRPr sz="1500"/>
+            </a:pPr>
+            <a:r>
+              <a:t>The resulting list is persisted to "config.cfg" in "network_frequencies" and also loaded in-memory into the "NETWORK_FREQUENCIES" global list.</a:t>
+            </a:r>
+          </a:p>
+          <a:p>
+            <a:pPr lvl="1">
+              <a:buChar char="•"/>
+              <a:defRPr sz="1500"/>
+            </a:pPr>
+            <a:r>
+              <a:t>In practice, this module should be executed after collecting representative logs from the network and then only when new frequencies are introduced. For stable markets, running it once is usually enough.</a:t>
+            </a:r>
+          </a:p>
+          <a:p>
             <a:pPr>
               <a:buNone/>
               <a:defRPr b="1" sz="1600"/>
             </a:pPr>
             <a:r>
-              <a:t>Inputs</a:t>
-            </a:r>
-          </a:p>
-          <a:p>
-            <a:pPr lvl="1">
-              <a:buChar char="•"/>
-              <a:defRPr sz="1500"/>
-            </a:pPr>
-            <a:r>
-              <a:t>Input folder with logs (".log", ".logs", ".txt") or ZIPs resolvable by utilities.</a:t>
-            </a:r>
-          </a:p>
-          <a:p>
-            <a:pPr lvl="1">
-              <a:buChar char="•"/>
-              <a:defRPr sz="1500"/>
-            </a:pPr>
-            <a:r>
-              <a:t>Frequency parameters:</a:t>
-            </a:r>
-          </a:p>
-          <a:p>
-            <a:pPr lvl="2">
-              <a:buChar char="•"/>
-              <a:defRPr sz="1500"/>
-            </a:pPr>
-            <a:r>
-              <a:t>"n77_ssb_pre"</a:t>
-            </a:r>
-          </a:p>
-          <a:p>
-            <a:pPr lvl="2">
-              <a:buChar char="•"/>
-              <a:defRPr sz="1500"/>
-            </a:pPr>
-            <a:r>
-              <a:t>"n77_ssb_post"</a:t>
-            </a:r>
-          </a:p>
-          <a:p>
-            <a:pPr lvl="2">
-              <a:buChar char="•"/>
-              <a:defRPr sz="1500"/>
-            </a:pPr>
-            <a:r>
-              <a:t>"n77b_ssb"</a:t>
-            </a:r>
-          </a:p>
-          <a:p>
-            <a:pPr lvl="2">
-              <a:buChar char="•"/>
-              <a:defRPr sz="1500"/>
-            </a:pPr>
-            <a:r>
-              <a:t>allowed SSB/ARFCN lists pre/post.</a:t>
-            </a:r>
-          </a:p>
-          <a:p>
-            <a:pPr lvl="1">
-              <a:buChar char="•"/>
-              <a:defRPr sz="1500"/>
-            </a:pPr>
-            <a:r>
-              <a:t>Flags:</a:t>
-            </a:r>
-          </a:p>
-          <a:p>
-            <a:pPr lvl="2">
-              <a:buChar char="•"/>
-              <a:defRPr sz="1500"/>
-            </a:pPr>
-            <a:r>
-              <a:t>"profiles_audit"</a:t>
-            </a:r>
-          </a:p>
-          <a:p>
-            <a:pPr lvl="2">
-              <a:buChar char="•"/>
-              <a:defRPr sz="1500"/>
-            </a:pPr>
-            <a:r>
-              <a:t>"frequency_audit"</a:t>
-            </a:r>
-          </a:p>
-          <a:p>
-            <a:pPr lvl="2">
-              <a:buChar char="•"/>
-              <a:defRPr sz="1500"/>
-            </a:pPr>
-            <a:r>
-              <a:t>"export_correction_cmd"</a:t>
-            </a:r>
-          </a:p>
-          <a:p>
-            <a:pPr lvl="2">
-              <a:buChar char="•"/>
-              <a:defRPr sz="1500"/>
-            </a:pPr>
-            <a:r>
-              <a:t>"fast_excel_export".</a:t>
-            </a:r>
-          </a:p>
-          <a:p>
-            <a:pPr>
-              <a:buNone/>
-              <a:defRPr b="1" sz="1600"/>
-            </a:pPr>
-            <a:r>
-              <a:t>Process</a:t>
+              <a:t>Impact on GUI and Web Interface</a:t>
             </a:r>
           </a:p>
         </p:txBody>
@@ -9850,7 +11576,7 @@
               </a:defRPr>
             </a:pPr>
             <a:r>
-              <a:t>Module 1 — Configuration Audit &amp; Logs Parser (cont.)</a:t>
+              <a:t>Module 0 — Update Network Frequencies (cont.)</a:t>
             </a:r>
           </a:p>
         </p:txBody>
@@ -9871,146 +11597,29 @@
           <a:lstStyle/>
           <a:p>
             <a:pPr lvl="1">
-              <a:buNone/>
-              <a:defRPr sz="1500"/>
-            </a:pPr>
-            <a:r>
-              <a:t>1. Parses files and extracts MO tables by "SubNetwork" blocks.</a:t>
-            </a:r>
-          </a:p>
-          <a:p>
-            <a:pPr lvl="1">
-              <a:buNone/>
-              <a:defRPr sz="1500"/>
-            </a:pPr>
-            <a:r>
-              <a:t>2. Generates one sheet per detected table.</a:t>
-            </a:r>
-          </a:p>
-          <a:p>
-            <a:pPr lvl="1">
-              <a:buNone/>
-              <a:defRPr sz="1500"/>
-            </a:pPr>
-            <a:r>
-              <a:t>3. Builds "SummaryAudit" + pivots/auxiliary summaries.</a:t>
-            </a:r>
-          </a:p>
-          <a:p>
-            <a:pPr lvl="1">
-              <a:buNone/>
-              <a:defRPr sz="1500"/>
-            </a:pPr>
-            <a:r>
-              <a:t>4. Runs profiles audit if enabled.</a:t>
-            </a:r>
-          </a:p>
-          <a:p>
-            <a:pPr lvl="1">
-              <a:buNone/>
-              <a:defRPr sz="1500"/>
-            </a:pPr>
-            <a:r>
-              <a:t>5. Exports CA correction commands if requested.</a:t>
-            </a:r>
-          </a:p>
-          <a:p>
-            <a:pPr lvl="1">
-              <a:buNone/>
-              <a:defRPr sz="1500"/>
-            </a:pPr>
-            <a:r>
-              <a:t>6. Generates the summary PPT.</a:t>
-            </a:r>
-          </a:p>
-          <a:p>
-            <a:pPr>
-              <a:buNone/>
-              <a:defRPr b="1" sz="1600"/>
-            </a:pPr>
-            <a:r>
-              <a:t>Outputs</a:t>
-            </a:r>
-          </a:p>
-          <a:p>
-            <a:pPr lvl="1">
-              <a:buChar char="•"/>
-              <a:defRPr sz="1500"/>
-            </a:pPr>
-            <a:r>
-              <a:t>Folder "ConfigurationAudit_&lt;timestamp&gt;_v&lt;version&gt;/".</a:t>
-            </a:r>
-          </a:p>
-          <a:p>
-            <a:pPr lvl="1">
-              <a:buChar char="•"/>
-              <a:defRPr sz="1500"/>
-            </a:pPr>
-            <a:r>
-              <a:t>Excel file "ConfigurationAudit_&lt;timestamp&gt;_v&lt;version&gt;.xlsx":</a:t>
-            </a:r>
-          </a:p>
-          <a:p>
-            <a:pPr lvl="2">
-              <a:buChar char="•"/>
-              <a:defRPr sz="1500"/>
-            </a:pPr>
-            <a:r>
-              <a:t>Sheets for each parsed MO table.</a:t>
-            </a:r>
-          </a:p>
-          <a:p>
-            <a:pPr lvl="2">
-              <a:buChar char="•"/>
-              <a:defRPr sz="1500"/>
-            </a:pPr>
-            <a:r>
-              <a:t>"SummaryAudit".</a:t>
-            </a:r>
-          </a:p>
-          <a:p>
-            <a:pPr lvl="2">
-              <a:buChar char="•"/>
-              <a:defRPr sz="1500"/>
-            </a:pPr>
-            <a:r>
-              <a:t>NR/LTE parameter discrepancy sheets.</a:t>
-            </a:r>
-          </a:p>
-          <a:p>
-            <a:pPr lvl="2">
-              <a:buChar char="•"/>
-              <a:defRPr sz="1500"/>
-            </a:pPr>
-            <a:r>
-              <a:t>Summary/pivot sheets by frequencies and relations.</a:t>
-            </a:r>
-          </a:p>
-          <a:p>
-            <a:pPr lvl="1">
-              <a:buChar char="•"/>
-              <a:defRPr sz="1500"/>
-            </a:pPr>
-            <a:r>
-              <a:t>PPT file "ConfigurationAudit_&lt;timestamp&gt;_v&lt;version&gt;.pptx".</a:t>
-            </a:r>
-          </a:p>
-          <a:p>
-            <a:pPr lvl="1">
-              <a:buChar char="•"/>
-              <a:defRPr sz="1500"/>
-            </a:pPr>
-            <a:r>
-              <a:t>Optional folder "Correction_Cmd_CA/" with AMOS commands.</a:t>
-            </a:r>
-          </a:p>
-          <a:p>
-            <a:pPr>
-              <a:buNone/>
-              <a:defRPr b="1" sz="1600"/>
-            </a:pPr>
-            <a:r>
-              <a:t>Main semantic content</a:t>
+              <a:buChar char="•"/>
+              <a:defRPr sz="1500"/>
+            </a:pPr>
+            <a:r>
+              <a:t>Desktop GUI: when launching in GUI mode (no CLI args), the app loads "network_frequencies" from "config.cfg" and uses that list as the selectable values shown to users.</a:t>
+            </a:r>
+          </a:p>
+          <a:p>
+            <a:pPr lvl="1">
+              <a:buChar char="•"/>
+              <a:defRPr sz="1500"/>
+            </a:pPr>
+            <a:r>
+              <a:t>Web Interface: the backend endpoint loading defaults first tries persisted "network_frequencies"; if empty, it falls back to parsing the hardcoded defaults from "SSB_RetuningAutomations.py".</a:t>
+            </a:r>
+          </a:p>
+          <a:p>
+            <a:pPr lvl="1">
+              <a:buChar char="•"/>
+              <a:defRPr sz="1500"/>
+            </a:pPr>
+            <a:r>
+              <a:t>This means Module 0 is the canonical mechanism to keep both interfaces aligned with real network frequency inventory.</a:t>
             </a:r>
           </a:p>
         </p:txBody>
@@ -10061,7 +11670,7 @@
               </a:defRPr>
             </a:pPr>
             <a:r>
-              <a:t>Module 1 — Configuration Audit &amp; Logs Parser (cont.)</a:t>
+              <a:t>Module 1 — Configuration Audit &amp; Logs Parser</a:t>
             </a:r>
           </a:p>
         </p:txBody>
@@ -10081,12 +11690,30 @@
           <a:bodyPr/>
           <a:lstStyle/>
           <a:p>
-            <a:pPr lvl="1">
-              <a:buChar char="•"/>
-              <a:defRPr sz="1500"/>
-            </a:pPr>
-            <a:r>
-              <a:t>SummaryAudit contains rows with:</a:t>
+            <a:pPr>
+              <a:buNone/>
+              <a:defRPr b="1" sz="1600"/>
+            </a:pPr>
+            <a:r>
+              <a:t>Inputs</a:t>
+            </a:r>
+          </a:p>
+          <a:p>
+            <a:pPr lvl="1">
+              <a:buChar char="•"/>
+              <a:defRPr sz="1500"/>
+            </a:pPr>
+            <a:r>
+              <a:t>Input folder with logs (".log", ".logs", ".txt") or ZIPs resolvable by utilities.</a:t>
+            </a:r>
+          </a:p>
+          <a:p>
+            <a:pPr lvl="1">
+              <a:buChar char="•"/>
+              <a:defRPr sz="1500"/>
+            </a:pPr>
+            <a:r>
+              <a:t>Frequency parameters:</a:t>
             </a:r>
           </a:p>
           <a:p>
@@ -10095,7 +11722,7 @@
               <a:defRPr sz="1500"/>
             </a:pPr>
             <a:r>
-              <a:t>"Category", "SubCategory", "Metric", "Value", "ExtraInfo",</a:t>
+              <a:t>"n77_ssb_pre"</a:t>
             </a:r>
           </a:p>
           <a:p>
@@ -10104,25 +11731,79 @@
               <a:defRPr sz="1500"/>
             </a:pPr>
             <a:r>
-              <a:t>and execution context fields (stage, module, etc. depending on the flow).</a:t>
-            </a:r>
-          </a:p>
-          <a:p>
-            <a:pPr lvl="1">
-              <a:buChar char="•"/>
-              <a:defRPr sz="1500"/>
-            </a:pPr>
-            <a:r>
-              <a:t>"Value" usually represents a count of impacted nodes/cells/relations.</a:t>
-            </a:r>
-          </a:p>
-          <a:p>
-            <a:pPr lvl="1">
-              <a:buChar char="•"/>
-              <a:defRPr sz="1500"/>
-            </a:pPr>
-            <a:r>
-              <a:t>"ExtraInfo" contains the NodeId list or a compact discrepancy detail.</a:t>
+              <a:t>"n77_ssb_post"</a:t>
+            </a:r>
+          </a:p>
+          <a:p>
+            <a:pPr lvl="2">
+              <a:buChar char="•"/>
+              <a:defRPr sz="1500"/>
+            </a:pPr>
+            <a:r>
+              <a:t>"n77b_ssb"</a:t>
+            </a:r>
+          </a:p>
+          <a:p>
+            <a:pPr lvl="2">
+              <a:buChar char="•"/>
+              <a:defRPr sz="1500"/>
+            </a:pPr>
+            <a:r>
+              <a:t>allowed SSB/ARFCN lists pre/post.</a:t>
+            </a:r>
+          </a:p>
+          <a:p>
+            <a:pPr lvl="1">
+              <a:buChar char="•"/>
+              <a:defRPr sz="1500"/>
+            </a:pPr>
+            <a:r>
+              <a:t>Flags:</a:t>
+            </a:r>
+          </a:p>
+          <a:p>
+            <a:pPr lvl="2">
+              <a:buChar char="•"/>
+              <a:defRPr sz="1500"/>
+            </a:pPr>
+            <a:r>
+              <a:t>"profiles_audit"</a:t>
+            </a:r>
+          </a:p>
+          <a:p>
+            <a:pPr lvl="2">
+              <a:buChar char="•"/>
+              <a:defRPr sz="1500"/>
+            </a:pPr>
+            <a:r>
+              <a:t>"frequency_audit"</a:t>
+            </a:r>
+          </a:p>
+          <a:p>
+            <a:pPr lvl="2">
+              <a:buChar char="•"/>
+              <a:defRPr sz="1500"/>
+            </a:pPr>
+            <a:r>
+              <a:t>"export_correction_cmd"</a:t>
+            </a:r>
+          </a:p>
+          <a:p>
+            <a:pPr lvl="2">
+              <a:buChar char="•"/>
+              <a:defRPr sz="1500"/>
+            </a:pPr>
+            <a:r>
+              <a:t>"fast_excel_export".</a:t>
+            </a:r>
+          </a:p>
+          <a:p>
+            <a:pPr>
+              <a:buNone/>
+              <a:defRPr b="1" sz="1600"/>
+            </a:pPr>
+            <a:r>
+              <a:t>Process</a:t>
             </a:r>
           </a:p>
         </p:txBody>
@@ -10173,7 +11854,7 @@
               </a:defRPr>
             </a:pPr>
             <a:r>
-              <a:t>Module 2 — Consistency Check (Pre/Post)</a:t>
+              <a:t>Module 1 — Configuration Audit &amp; Logs Parser (cont.)</a:t>
             </a:r>
           </a:p>
         </p:txBody>
@@ -10193,48 +11874,138 @@
           <a:bodyPr/>
           <a:lstStyle/>
           <a:p>
+            <a:pPr lvl="1">
+              <a:buNone/>
+              <a:defRPr sz="1500"/>
+            </a:pPr>
+            <a:r>
+              <a:t>1. Parses files and extracts MO tables by "SubNetwork" blocks.</a:t>
+            </a:r>
+          </a:p>
+          <a:p>
+            <a:pPr lvl="1">
+              <a:buNone/>
+              <a:defRPr sz="1500"/>
+            </a:pPr>
+            <a:r>
+              <a:t>2. Generates one sheet per detected table.</a:t>
+            </a:r>
+          </a:p>
+          <a:p>
+            <a:pPr lvl="1">
+              <a:buNone/>
+              <a:defRPr sz="1500"/>
+            </a:pPr>
+            <a:r>
+              <a:t>3. Builds "SummaryAudit" + pivots/auxiliary summaries.</a:t>
+            </a:r>
+          </a:p>
+          <a:p>
+            <a:pPr lvl="1">
+              <a:buNone/>
+              <a:defRPr sz="1500"/>
+            </a:pPr>
+            <a:r>
+              <a:t>4. Runs profiles audit if enabled.</a:t>
+            </a:r>
+          </a:p>
+          <a:p>
+            <a:pPr lvl="1">
+              <a:buNone/>
+              <a:defRPr sz="1500"/>
+            </a:pPr>
+            <a:r>
+              <a:t>5. Exports CA correction commands if requested.</a:t>
+            </a:r>
+          </a:p>
+          <a:p>
+            <a:pPr lvl="1">
+              <a:buNone/>
+              <a:defRPr sz="1500"/>
+            </a:pPr>
+            <a:r>
+              <a:t>6. Generates the summary PPT.</a:t>
+            </a:r>
+          </a:p>
+          <a:p>
             <a:pPr>
               <a:buNone/>
               <a:defRPr b="1" sz="1600"/>
             </a:pPr>
             <a:r>
-              <a:t>Inputs</a:t>
-            </a:r>
-          </a:p>
-          <a:p>
-            <a:pPr lvl="1">
-              <a:buChar char="•"/>
-              <a:defRPr sz="1500"/>
-            </a:pPr>
-            <a:r>
-              <a:t>"input_pre" and "input_post" (or equivalent resolved structure).</a:t>
-            </a:r>
-          </a:p>
-          <a:p>
-            <a:pPr lvl="1">
-              <a:buChar char="•"/>
-              <a:defRPr sz="1500"/>
-            </a:pPr>
-            <a:r>
-              <a:t>Frequencies "n77_ssb_pre" and "n77_ssb_post".</a:t>
-            </a:r>
-          </a:p>
-          <a:p>
-            <a:pPr lvl="1">
-              <a:buChar char="•"/>
-              <a:defRPr sz="1500"/>
-            </a:pPr>
-            <a:r>
-              <a:t>Optional reference to PRE and POST "ConfigurationAudit" to enrich target classification.</a:t>
-            </a:r>
-          </a:p>
-          <a:p>
-            <a:pPr lvl="1">
-              <a:buChar char="•"/>
-              <a:defRPr sz="1500"/>
-            </a:pPr>
-            <a:r>
-              <a:t>Optional list of frequency filters ("cc_freq_filters").</a:t>
+              <a:t>Outputs</a:t>
+            </a:r>
+          </a:p>
+          <a:p>
+            <a:pPr lvl="1">
+              <a:buChar char="•"/>
+              <a:defRPr sz="1500"/>
+            </a:pPr>
+            <a:r>
+              <a:t>Folder "ConfigurationAudit_&lt;timestamp&gt;_v&lt;version&gt;/".</a:t>
+            </a:r>
+          </a:p>
+          <a:p>
+            <a:pPr lvl="1">
+              <a:buChar char="•"/>
+              <a:defRPr sz="1500"/>
+            </a:pPr>
+            <a:r>
+              <a:t>Excel file "ConfigurationAudit_&lt;timestamp&gt;_v&lt;version&gt;.xlsx":</a:t>
+            </a:r>
+          </a:p>
+          <a:p>
+            <a:pPr lvl="2">
+              <a:buChar char="•"/>
+              <a:defRPr sz="1500"/>
+            </a:pPr>
+            <a:r>
+              <a:t>Sheets for each parsed MO table.</a:t>
+            </a:r>
+          </a:p>
+          <a:p>
+            <a:pPr lvl="2">
+              <a:buChar char="•"/>
+              <a:defRPr sz="1500"/>
+            </a:pPr>
+            <a:r>
+              <a:t>"SummaryAudit".</a:t>
+            </a:r>
+          </a:p>
+          <a:p>
+            <a:pPr lvl="2">
+              <a:buChar char="•"/>
+              <a:defRPr sz="1500"/>
+            </a:pPr>
+            <a:r>
+              <a:t>NR/LTE parameter discrepancy sheets.</a:t>
+            </a:r>
+          </a:p>
+          <a:p>
+            <a:pPr lvl="2">
+              <a:buChar char="•"/>
+              <a:defRPr sz="1500"/>
+            </a:pPr>
+            <a:r>
+              <a:t>Summary/pivot sheets by frequencies and relations.</a:t>
+            </a:r>
+          </a:p>
+          <a:p>
+            <a:pPr lvl="1">
+              <a:buChar char="•"/>
+              <a:defRPr sz="1500"/>
+            </a:pPr>
+            <a:r>
+              <a:t>PPT file "ConfigurationAudit_&lt;timestamp&gt;_v&lt;version&gt;.pptx".</a:t>
+            </a:r>
+          </a:p>
+          <a:p>
+            <a:pPr lvl="1">
+              <a:buChar char="•"/>
+              <a:defRPr sz="1500"/>
+            </a:pPr>
+            <a:r>
+              <a:t>Optional folder "Correction_Cmd_CA/" with AMOS commands.</a:t>
             </a:r>
           </a:p>
           <a:p>
@@ -10243,79 +12014,7 @@
               <a:defRPr b="1" sz="1600"/>
             </a:pPr>
             <a:r>
-              <a:t>Process</a:t>
-            </a:r>
-          </a:p>
-          <a:p>
-            <a:pPr lvl="1">
-              <a:buNone/>
-              <a:defRPr sz="1500"/>
-            </a:pPr>
-            <a:r>
-              <a:t>1. Loads relation tables ("GUtranCellRelation", "NRCellRelation").</a:t>
-            </a:r>
-          </a:p>
-          <a:p>
-            <a:pPr lvl="1">
-              <a:buNone/>
-              <a:defRPr sz="1500"/>
-            </a:pPr>
-            <a:r>
-              <a:t>2. Normalizes columns/keys and selects the most recent snapshots by date.</a:t>
-            </a:r>
-          </a:p>
-          <a:p>
-            <a:pPr lvl="1">
-              <a:buNone/>
-              <a:defRPr sz="1500"/>
-            </a:pPr>
-            <a:r>
-              <a:t>3. Detect:</a:t>
-            </a:r>
-          </a:p>
-          <a:p>
-            <a:pPr lvl="2">
-              <a:buChar char="•"/>
-              <a:defRPr sz="1500"/>
-            </a:pPr>
-            <a:r>
-              <a:t>new relations,</a:t>
-            </a:r>
-          </a:p>
-          <a:p>
-            <a:pPr lvl="2">
-              <a:buChar char="•"/>
-              <a:defRPr sz="1500"/>
-            </a:pPr>
-            <a:r>
-              <a:t>missing relations,</a:t>
-            </a:r>
-          </a:p>
-          <a:p>
-            <a:pPr lvl="2">
-              <a:buChar char="•"/>
-              <a:defRPr sz="1500"/>
-            </a:pPr>
-            <a:r>
-              <a:t>parameter discrepancies,</a:t>
-            </a:r>
-          </a:p>
-          <a:p>
-            <a:pPr lvl="2">
-              <a:buChar char="•"/>
-              <a:defRPr sz="1500"/>
-            </a:pPr>
-            <a:r>
-              <a:t>frequency discrepancies,</a:t>
-            </a:r>
-          </a:p>
-          <a:p>
-            <a:pPr lvl="2">
-              <a:buChar char="•"/>
-              <a:defRPr sz="1500"/>
-            </a:pPr>
-            <a:r>
-              <a:t>summary by PRE/POST frequency pair.</a:t>
+              <a:t>Main semantic content</a:t>
             </a:r>
           </a:p>
         </p:txBody>
